--- a/E-Library.pptx
+++ b/E-Library.pptx
@@ -8891,8 +8891,8 @@
       </dsp:nvSpPr>
       <dsp:spPr>
         <a:xfrm>
-          <a:off x="0" y="282341"/>
-          <a:ext cx="9915553" cy="2072700"/>
+          <a:off x="0" y="299486"/>
+          <a:ext cx="9915553" cy="2031750"/>
         </a:xfrm>
         <a:prstGeom prst="rect">
           <a:avLst/>
@@ -8932,12 +8932,12 @@
         <a:fontRef idx="minor"/>
       </dsp:style>
       <dsp:txBody>
-        <a:bodyPr spcFirstLastPara="0" vert="horz" wrap="square" lIns="769557" tIns="291592" rIns="769557" bIns="99568" numCol="1" spcCol="1270" anchor="t" anchorCtr="0">
+        <a:bodyPr spcFirstLastPara="0" vert="horz" wrap="square" lIns="769557" tIns="312420" rIns="769557" bIns="106680" numCol="1" spcCol="1270" anchor="t" anchorCtr="0">
           <a:noAutofit/>
         </a:bodyPr>
         <a:lstStyle/>
         <a:p>
-          <a:pPr marL="114300" lvl="1" indent="-114300" algn="l" defTabSz="622300">
+          <a:pPr marL="114300" lvl="1" indent="-114300" algn="l" defTabSz="666750">
             <a:lnSpc>
               <a:spcPct val="90000"/>
             </a:lnSpc>
@@ -8950,12 +8950,12 @@
             <a:buChar char="•"/>
           </a:pPr>
           <a:r>
-            <a:rPr lang="en-US" sz="1400" kern="1200" dirty="0"/>
+            <a:rPr lang="en-US" sz="1500" kern="1200" dirty="0"/>
             <a:t>Add Student/Book</a:t>
           </a:r>
         </a:p>
         <a:p>
-          <a:pPr marL="114300" lvl="1" indent="-114300" algn="l" defTabSz="622300">
+          <a:pPr marL="114300" lvl="1" indent="-114300" algn="l" defTabSz="666750">
             <a:lnSpc>
               <a:spcPct val="90000"/>
             </a:lnSpc>
@@ -8968,13 +8968,13 @@
             <a:buChar char="•"/>
           </a:pPr>
           <a:r>
-            <a:rPr lang="en-US" sz="1400" kern="1200"/>
+            <a:rPr lang="en-US" sz="1500" kern="1200"/>
             <a:t>Modify Student/Book</a:t>
           </a:r>
-          <a:endParaRPr lang="en-US" sz="1400" kern="1200" dirty="0"/>
+          <a:endParaRPr lang="en-US" sz="1500" kern="1200" dirty="0"/>
         </a:p>
         <a:p>
-          <a:pPr marL="114300" lvl="1" indent="-114300" algn="l" defTabSz="622300">
+          <a:pPr marL="114300" lvl="1" indent="-114300" algn="l" defTabSz="666750">
             <a:lnSpc>
               <a:spcPct val="90000"/>
             </a:lnSpc>
@@ -8987,13 +8987,13 @@
             <a:buChar char="•"/>
           </a:pPr>
           <a:r>
-            <a:rPr lang="en-US" sz="1400" kern="1200"/>
+            <a:rPr lang="en-US" sz="1500" kern="1200"/>
             <a:t>Delete Student/Book</a:t>
           </a:r>
-          <a:endParaRPr lang="en-US" sz="1400" kern="1200" dirty="0"/>
+          <a:endParaRPr lang="en-US" sz="1500" kern="1200" dirty="0"/>
         </a:p>
         <a:p>
-          <a:pPr marL="114300" lvl="1" indent="-114300" algn="l" defTabSz="622300">
+          <a:pPr marL="114300" lvl="1" indent="-114300" algn="l" defTabSz="666750">
             <a:lnSpc>
               <a:spcPct val="90000"/>
             </a:lnSpc>
@@ -9006,12 +9006,12 @@
             <a:buChar char="•"/>
           </a:pPr>
           <a:r>
-            <a:rPr lang="en-US" sz="1400" kern="1200" dirty="0"/>
+            <a:rPr lang="en-US" sz="1500" kern="1200" dirty="0"/>
             <a:t>Search Student/Book</a:t>
           </a:r>
         </a:p>
         <a:p>
-          <a:pPr marL="114300" lvl="1" indent="-114300" algn="l" defTabSz="622300">
+          <a:pPr marL="114300" lvl="1" indent="-114300" algn="l" defTabSz="666750">
             <a:lnSpc>
               <a:spcPct val="90000"/>
             </a:lnSpc>
@@ -9024,13 +9024,13 @@
             <a:buChar char="•"/>
           </a:pPr>
           <a:r>
-            <a:rPr lang="en-US" sz="1400" kern="1200"/>
+            <a:rPr lang="en-US" sz="1500" kern="1200"/>
             <a:t>Sort Student/Book</a:t>
           </a:r>
-          <a:endParaRPr lang="en-US" sz="1400" kern="1200" dirty="0"/>
+          <a:endParaRPr lang="en-US" sz="1500" kern="1200" dirty="0"/>
         </a:p>
         <a:p>
-          <a:pPr marL="114300" lvl="1" indent="-114300" algn="l" defTabSz="622300">
+          <a:pPr marL="114300" lvl="1" indent="-114300" algn="l" defTabSz="666750">
             <a:lnSpc>
               <a:spcPct val="90000"/>
             </a:lnSpc>
@@ -9043,13 +9043,13 @@
             <a:buChar char="•"/>
           </a:pPr>
           <a:r>
-            <a:rPr lang="en-US" sz="1400" kern="1200"/>
+            <a:rPr lang="en-US" sz="1500" kern="1200"/>
             <a:t>List Student/Book</a:t>
           </a:r>
-          <a:endParaRPr lang="en-US" sz="1400" kern="1200" dirty="0"/>
+          <a:endParaRPr lang="en-US" sz="1500" kern="1200" dirty="0"/>
         </a:p>
         <a:p>
-          <a:pPr marL="114300" lvl="1" indent="-114300" algn="l" defTabSz="622300">
+          <a:pPr marL="114300" lvl="1" indent="-114300" algn="l" defTabSz="666750">
             <a:lnSpc>
               <a:spcPct val="90000"/>
             </a:lnSpc>
@@ -9062,14 +9062,14 @@
             <a:buChar char="•"/>
           </a:pPr>
           <a:r>
-            <a:rPr lang="en-US" sz="1400" kern="1200" dirty="0"/>
+            <a:rPr lang="en-US" sz="1500" kern="1200" dirty="0"/>
             <a:t>Reset Admin/librarian password</a:t>
           </a:r>
         </a:p>
       </dsp:txBody>
       <dsp:txXfrm>
-        <a:off x="0" y="282341"/>
-        <a:ext cx="9915553" cy="2072700"/>
+        <a:off x="0" y="299486"/>
+        <a:ext cx="9915553" cy="2031750"/>
       </dsp:txXfrm>
     </dsp:sp>
     <dsp:sp modelId="{A5C12DED-A082-4668-A772-BDD6A6FDA267}">
@@ -9079,8 +9079,8 @@
       </dsp:nvSpPr>
       <dsp:spPr>
         <a:xfrm>
-          <a:off x="495777" y="75701"/>
-          <a:ext cx="6940887" cy="413280"/>
+          <a:off x="495777" y="78086"/>
+          <a:ext cx="6940887" cy="442800"/>
         </a:xfrm>
         <a:prstGeom prst="roundRect">
           <a:avLst/>
@@ -9153,7 +9153,7 @@
         </a:bodyPr>
         <a:lstStyle/>
         <a:p>
-          <a:pPr marL="0" lvl="0" indent="0" algn="l" defTabSz="622300">
+          <a:pPr marL="0" lvl="0" indent="0" algn="l" defTabSz="666750">
             <a:lnSpc>
               <a:spcPct val="90000"/>
             </a:lnSpc>
@@ -9166,14 +9166,14 @@
             <a:buNone/>
           </a:pPr>
           <a:r>
-            <a:rPr lang="en-US" sz="1400" kern="1200" dirty="0"/>
+            <a:rPr lang="en-US" sz="1500" kern="1200" dirty="0"/>
             <a:t>Administrator</a:t>
           </a:r>
         </a:p>
       </dsp:txBody>
       <dsp:txXfrm>
-        <a:off x="515952" y="95876"/>
-        <a:ext cx="6900537" cy="372930"/>
+        <a:off x="517393" y="99702"/>
+        <a:ext cx="6897655" cy="399568"/>
       </dsp:txXfrm>
     </dsp:sp>
     <dsp:sp modelId="{1002F100-355A-414C-9C86-107A4DF6C89C}">
@@ -9183,8 +9183,8 @@
       </dsp:nvSpPr>
       <dsp:spPr>
         <a:xfrm>
-          <a:off x="0" y="2637282"/>
-          <a:ext cx="9915553" cy="859950"/>
+          <a:off x="0" y="2633637"/>
+          <a:ext cx="9915553" cy="850500"/>
         </a:xfrm>
         <a:prstGeom prst="rect">
           <a:avLst/>
@@ -9224,12 +9224,12 @@
         <a:fontRef idx="minor"/>
       </dsp:style>
       <dsp:txBody>
-        <a:bodyPr spcFirstLastPara="0" vert="horz" wrap="square" lIns="769557" tIns="291592" rIns="769557" bIns="99568" numCol="1" spcCol="1270" anchor="t" anchorCtr="0">
+        <a:bodyPr spcFirstLastPara="0" vert="horz" wrap="square" lIns="769557" tIns="312420" rIns="769557" bIns="106680" numCol="1" spcCol="1270" anchor="t" anchorCtr="0">
           <a:noAutofit/>
         </a:bodyPr>
         <a:lstStyle/>
         <a:p>
-          <a:pPr marL="114300" lvl="1" indent="-114300" algn="l" defTabSz="622300">
+          <a:pPr marL="114300" lvl="1" indent="-114300" algn="l" defTabSz="666750">
             <a:lnSpc>
               <a:spcPct val="90000"/>
             </a:lnSpc>
@@ -9242,12 +9242,12 @@
             <a:buChar char="•"/>
           </a:pPr>
           <a:r>
-            <a:rPr lang="en-US" sz="1400" kern="1200" dirty="0"/>
+            <a:rPr lang="en-US" sz="1500" kern="1200" dirty="0"/>
             <a:t>Issue Book</a:t>
           </a:r>
         </a:p>
         <a:p>
-          <a:pPr marL="114300" lvl="1" indent="-114300" algn="l" defTabSz="622300">
+          <a:pPr marL="114300" lvl="1" indent="-114300" algn="l" defTabSz="666750">
             <a:lnSpc>
               <a:spcPct val="90000"/>
             </a:lnSpc>
@@ -9260,15 +9260,15 @@
             <a:buChar char="•"/>
           </a:pPr>
           <a:r>
-            <a:rPr lang="en-US" sz="1400" kern="1200"/>
+            <a:rPr lang="en-US" sz="1500" kern="1200"/>
             <a:t>Deposit Book</a:t>
           </a:r>
-          <a:endParaRPr lang="en-US" sz="1400" kern="1200" dirty="0"/>
+          <a:endParaRPr lang="en-US" sz="1500" kern="1200" dirty="0"/>
         </a:p>
       </dsp:txBody>
       <dsp:txXfrm>
-        <a:off x="0" y="2637282"/>
-        <a:ext cx="9915553" cy="859950"/>
+        <a:off x="0" y="2633637"/>
+        <a:ext cx="9915553" cy="850500"/>
       </dsp:txXfrm>
     </dsp:sp>
     <dsp:sp modelId="{A582A03F-9363-434C-AD09-7F31EB619106}">
@@ -9278,8 +9278,8 @@
       </dsp:nvSpPr>
       <dsp:spPr>
         <a:xfrm>
-          <a:off x="495777" y="2430642"/>
-          <a:ext cx="6940887" cy="413280"/>
+          <a:off x="495777" y="2412237"/>
+          <a:ext cx="6940887" cy="442800"/>
         </a:xfrm>
         <a:prstGeom prst="roundRect">
           <a:avLst/>
@@ -9352,7 +9352,7 @@
         </a:bodyPr>
         <a:lstStyle/>
         <a:p>
-          <a:pPr marL="0" lvl="0" indent="0" algn="l" defTabSz="622300">
+          <a:pPr marL="0" lvl="0" indent="0" algn="l" defTabSz="666750">
             <a:lnSpc>
               <a:spcPct val="90000"/>
             </a:lnSpc>
@@ -9365,14 +9365,14 @@
             <a:buNone/>
           </a:pPr>
           <a:r>
-            <a:rPr lang="en-US" sz="1400" kern="1200" dirty="0"/>
+            <a:rPr lang="en-US" sz="1500" kern="1200" dirty="0"/>
             <a:t>Librarian</a:t>
           </a:r>
         </a:p>
       </dsp:txBody>
       <dsp:txXfrm>
-        <a:off x="515952" y="2450817"/>
-        <a:ext cx="6900537" cy="372930"/>
+        <a:off x="517393" y="2433853"/>
+        <a:ext cx="6897655" cy="399568"/>
       </dsp:txXfrm>
     </dsp:sp>
     <dsp:sp modelId="{5BFA6826-333D-4341-9FAF-6BD02BC30C9B}">
@@ -9382,8 +9382,8 @@
       </dsp:nvSpPr>
       <dsp:spPr>
         <a:xfrm>
-          <a:off x="0" y="3779472"/>
-          <a:ext cx="9915553" cy="859950"/>
+          <a:off x="0" y="3786536"/>
+          <a:ext cx="9915553" cy="850500"/>
         </a:xfrm>
         <a:prstGeom prst="rect">
           <a:avLst/>
@@ -9423,12 +9423,12 @@
         <a:fontRef idx="minor"/>
       </dsp:style>
       <dsp:txBody>
-        <a:bodyPr spcFirstLastPara="0" vert="horz" wrap="square" lIns="769557" tIns="291592" rIns="769557" bIns="99568" numCol="1" spcCol="1270" anchor="t" anchorCtr="0">
+        <a:bodyPr spcFirstLastPara="0" vert="horz" wrap="square" lIns="769557" tIns="312420" rIns="769557" bIns="106680" numCol="1" spcCol="1270" anchor="t" anchorCtr="0">
           <a:noAutofit/>
         </a:bodyPr>
         <a:lstStyle/>
         <a:p>
-          <a:pPr marL="114300" lvl="1" indent="-114300" algn="l" defTabSz="622300">
+          <a:pPr marL="114300" lvl="1" indent="-114300" algn="l" defTabSz="666750">
             <a:lnSpc>
               <a:spcPct val="90000"/>
             </a:lnSpc>
@@ -9441,12 +9441,12 @@
             <a:buChar char="•"/>
           </a:pPr>
           <a:r>
-            <a:rPr lang="en-US" sz="1400" kern="1200" dirty="0"/>
+            <a:rPr lang="en-US" sz="1500" kern="1200" dirty="0"/>
             <a:t>Search book</a:t>
           </a:r>
         </a:p>
         <a:p>
-          <a:pPr marL="114300" lvl="1" indent="-114300" algn="l" defTabSz="622300">
+          <a:pPr marL="114300" lvl="1" indent="-114300" algn="l" defTabSz="666750">
             <a:lnSpc>
               <a:spcPct val="90000"/>
             </a:lnSpc>
@@ -9459,15 +9459,15 @@
             <a:buChar char="•"/>
           </a:pPr>
           <a:r>
-            <a:rPr lang="en-US" sz="1400" kern="1200"/>
+            <a:rPr lang="en-US" sz="1500" kern="1200"/>
             <a:t>Sorted Book list</a:t>
           </a:r>
-          <a:endParaRPr lang="en-US" sz="1400" kern="1200" dirty="0"/>
+          <a:endParaRPr lang="en-US" sz="1500" kern="1200" dirty="0"/>
         </a:p>
       </dsp:txBody>
       <dsp:txXfrm>
-        <a:off x="0" y="3779472"/>
-        <a:ext cx="9915553" cy="859950"/>
+        <a:off x="0" y="3786536"/>
+        <a:ext cx="9915553" cy="850500"/>
       </dsp:txXfrm>
     </dsp:sp>
     <dsp:sp modelId="{42DEB326-F41D-4889-941F-B73D20DD4885}">
@@ -9477,8 +9477,8 @@
       </dsp:nvSpPr>
       <dsp:spPr>
         <a:xfrm>
-          <a:off x="495777" y="3572831"/>
-          <a:ext cx="6940887" cy="413280"/>
+          <a:off x="495777" y="3565137"/>
+          <a:ext cx="6940887" cy="442800"/>
         </a:xfrm>
         <a:prstGeom prst="roundRect">
           <a:avLst/>
@@ -9551,7 +9551,7 @@
         </a:bodyPr>
         <a:lstStyle/>
         <a:p>
-          <a:pPr marL="0" lvl="0" indent="0" algn="l" defTabSz="622300">
+          <a:pPr marL="0" lvl="0" indent="0" algn="l" defTabSz="666750">
             <a:lnSpc>
               <a:spcPct val="90000"/>
             </a:lnSpc>
@@ -9564,14 +9564,14 @@
             <a:buNone/>
           </a:pPr>
           <a:r>
-            <a:rPr lang="en-US" sz="1400" kern="1200" dirty="0"/>
+            <a:rPr lang="en-US" sz="1500" kern="1200" dirty="0"/>
             <a:t>Student</a:t>
           </a:r>
         </a:p>
       </dsp:txBody>
       <dsp:txXfrm>
-        <a:off x="515952" y="3593006"/>
-        <a:ext cx="6900537" cy="372930"/>
+        <a:off x="517393" y="3586753"/>
+        <a:ext cx="6897655" cy="399568"/>
       </dsp:txXfrm>
     </dsp:sp>
   </dsp:spTree>
@@ -9593,8 +9593,8 @@
       </dsp:nvSpPr>
       <dsp:spPr>
         <a:xfrm>
-          <a:off x="0" y="1490616"/>
-          <a:ext cx="2476467" cy="551306"/>
+          <a:off x="0" y="1458968"/>
+          <a:ext cx="2476467" cy="594000"/>
         </a:xfrm>
         <a:prstGeom prst="rect">
           <a:avLst/>
@@ -9618,12 +9618,12 @@
         <a:fontRef idx="minor"/>
       </dsp:style>
       <dsp:txBody>
-        <a:bodyPr spcFirstLastPara="0" vert="horz" wrap="square" lIns="192024" tIns="68580" rIns="192024" bIns="68580" numCol="1" spcCol="1270" anchor="ctr" anchorCtr="0">
+        <a:bodyPr spcFirstLastPara="0" vert="horz" wrap="square" lIns="213360" tIns="76200" rIns="213360" bIns="76200" numCol="1" spcCol="1270" anchor="ctr" anchorCtr="0">
           <a:noAutofit/>
         </a:bodyPr>
         <a:lstStyle/>
         <a:p>
-          <a:pPr marL="0" lvl="0" indent="0" algn="r" defTabSz="1200150">
+          <a:pPr marL="0" lvl="0" indent="0" algn="r" defTabSz="1333500">
             <a:lnSpc>
               <a:spcPct val="90000"/>
             </a:lnSpc>
@@ -9636,14 +9636,14 @@
             <a:buNone/>
           </a:pPr>
           <a:r>
-            <a:rPr lang="en-US" sz="2700" kern="1200" dirty="0"/>
+            <a:rPr lang="en-US" sz="3000" kern="1200" dirty="0"/>
             <a:t>Sorting</a:t>
           </a:r>
         </a:p>
       </dsp:txBody>
       <dsp:txXfrm>
-        <a:off x="0" y="1490616"/>
-        <a:ext cx="2476467" cy="551306"/>
+        <a:off x="0" y="1458968"/>
+        <a:ext cx="2476467" cy="594000"/>
       </dsp:txXfrm>
     </dsp:sp>
     <dsp:sp modelId="{801DD7D0-96AB-4058-8B97-031AC760EAD2}">
@@ -9653,8 +9653,8 @@
       </dsp:nvSpPr>
       <dsp:spPr>
         <a:xfrm>
-          <a:off x="2476467" y="8981"/>
-          <a:ext cx="495293" cy="3514577"/>
+          <a:off x="2476467" y="48218"/>
+          <a:ext cx="495293" cy="3415500"/>
         </a:xfrm>
         <a:prstGeom prst="leftBrace">
           <a:avLst>
@@ -9697,7 +9697,7 @@
       <dsp:spPr>
         <a:xfrm>
           <a:off x="3161927" y="0"/>
-          <a:ext cx="6735991" cy="3514577"/>
+          <a:ext cx="6735991" cy="3415500"/>
         </a:xfrm>
         <a:prstGeom prst="rect">
           <a:avLst/>
@@ -9765,12 +9765,12 @@
         </a:fontRef>
       </dsp:style>
       <dsp:txBody>
-        <a:bodyPr spcFirstLastPara="0" vert="horz" wrap="square" lIns="102870" tIns="102870" rIns="102870" bIns="102870" numCol="1" spcCol="1270" anchor="ctr" anchorCtr="0">
+        <a:bodyPr spcFirstLastPara="0" vert="horz" wrap="square" lIns="114300" tIns="114300" rIns="114300" bIns="114300" numCol="1" spcCol="1270" anchor="ctr" anchorCtr="0">
           <a:noAutofit/>
         </a:bodyPr>
         <a:lstStyle/>
         <a:p>
-          <a:pPr marL="228600" lvl="1" indent="-228600" algn="l" defTabSz="1200150">
+          <a:pPr marL="285750" lvl="1" indent="-285750" algn="l" defTabSz="1333500">
             <a:lnSpc>
               <a:spcPct val="90000"/>
             </a:lnSpc>
@@ -9783,12 +9783,12 @@
             <a:buChar char="•"/>
           </a:pPr>
           <a:r>
-            <a:rPr lang="en-US" sz="2700" kern="1200" dirty="0"/>
+            <a:rPr lang="en-US" sz="3000" kern="1200" dirty="0"/>
             <a:t>Bubble Sort</a:t>
           </a:r>
         </a:p>
         <a:p>
-          <a:pPr marL="228600" lvl="1" indent="-228600" algn="l" defTabSz="1200150">
+          <a:pPr marL="285750" lvl="1" indent="-285750" algn="l" defTabSz="1333500">
             <a:lnSpc>
               <a:spcPct val="90000"/>
             </a:lnSpc>
@@ -9801,12 +9801,12 @@
             <a:buChar char="•"/>
           </a:pPr>
           <a:r>
-            <a:rPr lang="en-US" sz="2700" kern="1200" dirty="0"/>
+            <a:rPr lang="en-US" sz="3000" kern="1200" dirty="0"/>
             <a:t>Selection Sort</a:t>
           </a:r>
         </a:p>
         <a:p>
-          <a:pPr marL="228600" lvl="1" indent="-228600" algn="l" defTabSz="1200150">
+          <a:pPr marL="285750" lvl="1" indent="-285750" algn="l" defTabSz="1333500">
             <a:lnSpc>
               <a:spcPct val="90000"/>
             </a:lnSpc>
@@ -9819,12 +9819,12 @@
             <a:buChar char="•"/>
           </a:pPr>
           <a:r>
-            <a:rPr lang="en-US" sz="2700" kern="1200" dirty="0"/>
+            <a:rPr lang="en-US" sz="3000" kern="1200" dirty="0"/>
             <a:t>Insertion Sort</a:t>
           </a:r>
         </a:p>
         <a:p>
-          <a:pPr marL="228600" lvl="1" indent="-228600" algn="l" defTabSz="1200150">
+          <a:pPr marL="285750" lvl="1" indent="-285750" algn="l" defTabSz="1333500">
             <a:lnSpc>
               <a:spcPct val="90000"/>
             </a:lnSpc>
@@ -9837,12 +9837,12 @@
             <a:buChar char="•"/>
           </a:pPr>
           <a:r>
-            <a:rPr lang="en-US" sz="2700" kern="1200" dirty="0"/>
+            <a:rPr lang="en-US" sz="3000" kern="1200" dirty="0"/>
             <a:t>Merge Sort</a:t>
           </a:r>
         </a:p>
         <a:p>
-          <a:pPr marL="228600" lvl="1" indent="-228600" algn="l" defTabSz="1200150">
+          <a:pPr marL="285750" lvl="1" indent="-285750" algn="l" defTabSz="1333500">
             <a:lnSpc>
               <a:spcPct val="90000"/>
             </a:lnSpc>
@@ -9855,12 +9855,12 @@
             <a:buChar char="•"/>
           </a:pPr>
           <a:r>
-            <a:rPr lang="en-US" sz="2700" kern="1200" dirty="0"/>
+            <a:rPr lang="en-US" sz="3000" kern="1200" dirty="0"/>
             <a:t>Heap Sort</a:t>
           </a:r>
         </a:p>
         <a:p>
-          <a:pPr marL="228600" lvl="1" indent="-228600" algn="l" defTabSz="1200150">
+          <a:pPr marL="285750" lvl="1" indent="-285750" algn="l" defTabSz="1333500">
             <a:lnSpc>
               <a:spcPct val="90000"/>
             </a:lnSpc>
@@ -9873,12 +9873,12 @@
             <a:buChar char="•"/>
           </a:pPr>
           <a:r>
-            <a:rPr lang="en-US" sz="2700" kern="1200" dirty="0"/>
+            <a:rPr lang="en-US" sz="3000" kern="1200" dirty="0"/>
             <a:t>Quick Sort</a:t>
           </a:r>
         </a:p>
         <a:p>
-          <a:pPr marL="228600" lvl="1" indent="-228600" algn="l" defTabSz="1200150">
+          <a:pPr marL="285750" lvl="1" indent="-285750" algn="l" defTabSz="1333500">
             <a:lnSpc>
               <a:spcPct val="90000"/>
             </a:lnSpc>
@@ -9891,14 +9891,14 @@
             <a:buChar char="•"/>
           </a:pPr>
           <a:r>
-            <a:rPr lang="en-US" sz="2700" kern="1200" dirty="0"/>
+            <a:rPr lang="en-US" sz="3000" kern="1200" dirty="0"/>
             <a:t>Bogo Sort</a:t>
           </a:r>
         </a:p>
       </dsp:txBody>
       <dsp:txXfrm>
         <a:off x="3161927" y="0"/>
-        <a:ext cx="6735991" cy="3514577"/>
+        <a:ext cx="6735991" cy="3415500"/>
       </dsp:txXfrm>
     </dsp:sp>
     <dsp:sp modelId="{BCDB7132-066E-437B-9A6E-A940D961DC6F}">
@@ -9908,8 +9908,8 @@
       </dsp:nvSpPr>
       <dsp:spPr>
         <a:xfrm>
-          <a:off x="0" y="3887797"/>
-          <a:ext cx="2478888" cy="551306"/>
+          <a:off x="0" y="3822312"/>
+          <a:ext cx="2478888" cy="594000"/>
         </a:xfrm>
         <a:prstGeom prst="rect">
           <a:avLst/>
@@ -9933,12 +9933,12 @@
         <a:fontRef idx="minor"/>
       </dsp:style>
       <dsp:txBody>
-        <a:bodyPr spcFirstLastPara="0" vert="horz" wrap="square" lIns="192024" tIns="68580" rIns="192024" bIns="68580" numCol="1" spcCol="1270" anchor="ctr" anchorCtr="0">
+        <a:bodyPr spcFirstLastPara="0" vert="horz" wrap="square" lIns="213360" tIns="76200" rIns="213360" bIns="76200" numCol="1" spcCol="1270" anchor="ctr" anchorCtr="0">
           <a:noAutofit/>
         </a:bodyPr>
         <a:lstStyle/>
         <a:p>
-          <a:pPr marL="0" lvl="0" indent="0" algn="r" defTabSz="1200150">
+          <a:pPr marL="0" lvl="0" indent="0" algn="r" defTabSz="1333500">
             <a:lnSpc>
               <a:spcPct val="90000"/>
             </a:lnSpc>
@@ -9951,14 +9951,14 @@
             <a:buNone/>
           </a:pPr>
           <a:r>
-            <a:rPr lang="en-US" sz="2700" kern="1200" dirty="0"/>
+            <a:rPr lang="en-US" sz="3000" kern="1200" dirty="0"/>
             <a:t>Searching</a:t>
           </a:r>
         </a:p>
       </dsp:txBody>
       <dsp:txXfrm>
-        <a:off x="0" y="3887797"/>
-        <a:ext cx="2478888" cy="551306"/>
+        <a:off x="0" y="3822312"/>
+        <a:ext cx="2478888" cy="594000"/>
       </dsp:txXfrm>
     </dsp:sp>
     <dsp:sp modelId="{878BB61E-A413-4706-8F5B-835A3AFE9A77}">
@@ -9968,8 +9968,8 @@
       </dsp:nvSpPr>
       <dsp:spPr>
         <a:xfrm>
-          <a:off x="2478888" y="3620758"/>
-          <a:ext cx="495777" cy="1085384"/>
+          <a:off x="2478888" y="3571718"/>
+          <a:ext cx="495777" cy="1095187"/>
         </a:xfrm>
         <a:prstGeom prst="leftBrace">
           <a:avLst>
@@ -10011,8 +10011,8 @@
       </dsp:nvSpPr>
       <dsp:spPr>
         <a:xfrm>
-          <a:off x="3172976" y="3620758"/>
-          <a:ext cx="6742576" cy="1085384"/>
+          <a:off x="3172976" y="3571718"/>
+          <a:ext cx="6742576" cy="1095187"/>
         </a:xfrm>
         <a:prstGeom prst="rect">
           <a:avLst/>
@@ -10080,12 +10080,12 @@
         </a:fontRef>
       </dsp:style>
       <dsp:txBody>
-        <a:bodyPr spcFirstLastPara="0" vert="horz" wrap="square" lIns="102870" tIns="102870" rIns="102870" bIns="102870" numCol="1" spcCol="1270" anchor="ctr" anchorCtr="0">
+        <a:bodyPr spcFirstLastPara="0" vert="horz" wrap="square" lIns="114300" tIns="114300" rIns="114300" bIns="114300" numCol="1" spcCol="1270" anchor="ctr" anchorCtr="0">
           <a:noAutofit/>
         </a:bodyPr>
         <a:lstStyle/>
         <a:p>
-          <a:pPr marL="228600" lvl="1" indent="-228600" algn="l" defTabSz="1200150">
+          <a:pPr marL="285750" lvl="1" indent="-285750" algn="l" defTabSz="1333500">
             <a:lnSpc>
               <a:spcPct val="90000"/>
             </a:lnSpc>
@@ -10098,12 +10098,12 @@
             <a:buChar char="•"/>
           </a:pPr>
           <a:r>
-            <a:rPr lang="en-US" sz="2700" kern="1200" dirty="0"/>
+            <a:rPr lang="en-US" sz="3000" kern="1200" dirty="0"/>
             <a:t>Linear Search</a:t>
           </a:r>
         </a:p>
         <a:p>
-          <a:pPr marL="228600" lvl="1" indent="-228600" algn="l" defTabSz="1200150">
+          <a:pPr marL="285750" lvl="1" indent="-285750" algn="l" defTabSz="1333500">
             <a:lnSpc>
               <a:spcPct val="90000"/>
             </a:lnSpc>
@@ -10116,14 +10116,14 @@
             <a:buChar char="•"/>
           </a:pPr>
           <a:r>
-            <a:rPr lang="en-US" sz="2700" kern="1200" dirty="0"/>
+            <a:rPr lang="en-US" sz="3000" kern="1200" dirty="0"/>
             <a:t>Binary Search</a:t>
           </a:r>
         </a:p>
       </dsp:txBody>
       <dsp:txXfrm>
-        <a:off x="3172976" y="3620758"/>
-        <a:ext cx="6742576" cy="1085384"/>
+        <a:off x="3172976" y="3571718"/>
+        <a:ext cx="6742576" cy="1095187"/>
       </dsp:txXfrm>
     </dsp:sp>
   </dsp:spTree>
@@ -10238,12 +10238,12 @@
         </a:fontRef>
       </dsp:style>
       <dsp:txBody>
-        <a:bodyPr spcFirstLastPara="0" vert="horz" wrap="square" lIns="80010" tIns="80010" rIns="80010" bIns="80010" numCol="1" spcCol="1270" anchor="ctr" anchorCtr="0">
+        <a:bodyPr spcFirstLastPara="0" vert="horz" wrap="square" lIns="83820" tIns="83820" rIns="83820" bIns="83820" numCol="1" spcCol="1270" anchor="ctr" anchorCtr="0">
           <a:noAutofit/>
         </a:bodyPr>
         <a:lstStyle/>
         <a:p>
-          <a:pPr marL="0" lvl="0" indent="0" algn="ctr" defTabSz="933450">
+          <a:pPr marL="0" lvl="0" indent="0" algn="ctr" defTabSz="977900">
             <a:lnSpc>
               <a:spcPct val="90000"/>
             </a:lnSpc>
@@ -10256,7 +10256,7 @@
             <a:buNone/>
           </a:pPr>
           <a:r>
-            <a:rPr lang="en-US" sz="2100" kern="1200" dirty="0"/>
+            <a:rPr lang="en-US" sz="2200" kern="1200" dirty="0"/>
             <a:t>Bubble Sort</a:t>
           </a:r>
         </a:p>
@@ -10366,12 +10366,12 @@
         </a:fontRef>
       </dsp:style>
       <dsp:txBody>
-        <a:bodyPr spcFirstLastPara="0" vert="horz" wrap="square" lIns="80010" tIns="80010" rIns="80010" bIns="80010" numCol="1" spcCol="1270" anchor="ctr" anchorCtr="0">
+        <a:bodyPr spcFirstLastPara="0" vert="horz" wrap="square" lIns="83820" tIns="83820" rIns="83820" bIns="83820" numCol="1" spcCol="1270" anchor="ctr" anchorCtr="0">
           <a:noAutofit/>
         </a:bodyPr>
         <a:lstStyle/>
         <a:p>
-          <a:pPr marL="0" lvl="0" indent="0" algn="ctr" defTabSz="933450">
+          <a:pPr marL="0" lvl="0" indent="0" algn="ctr" defTabSz="977900">
             <a:lnSpc>
               <a:spcPct val="90000"/>
             </a:lnSpc>
@@ -10384,7 +10384,7 @@
             <a:buNone/>
           </a:pPr>
           <a:r>
-            <a:rPr lang="en-US" sz="2100" kern="1200" dirty="0"/>
+            <a:rPr lang="en-US" sz="2200" kern="1200" dirty="0"/>
             <a:t>Selection Sort</a:t>
           </a:r>
         </a:p>
@@ -10494,12 +10494,12 @@
         </a:fontRef>
       </dsp:style>
       <dsp:txBody>
-        <a:bodyPr spcFirstLastPara="0" vert="horz" wrap="square" lIns="80010" tIns="80010" rIns="80010" bIns="80010" numCol="1" spcCol="1270" anchor="ctr" anchorCtr="0">
+        <a:bodyPr spcFirstLastPara="0" vert="horz" wrap="square" lIns="83820" tIns="83820" rIns="83820" bIns="83820" numCol="1" spcCol="1270" anchor="ctr" anchorCtr="0">
           <a:noAutofit/>
         </a:bodyPr>
         <a:lstStyle/>
         <a:p>
-          <a:pPr marL="0" lvl="0" indent="0" algn="ctr" defTabSz="933450">
+          <a:pPr marL="0" lvl="0" indent="0" algn="ctr" defTabSz="977900">
             <a:lnSpc>
               <a:spcPct val="90000"/>
             </a:lnSpc>
@@ -10512,7 +10512,7 @@
             <a:buNone/>
           </a:pPr>
           <a:r>
-            <a:rPr lang="en-US" sz="2100" kern="1200" dirty="0"/>
+            <a:rPr lang="en-US" sz="2200" kern="1200" dirty="0"/>
             <a:t>Insertion Sort</a:t>
           </a:r>
         </a:p>
@@ -10622,12 +10622,12 @@
         </a:fontRef>
       </dsp:style>
       <dsp:txBody>
-        <a:bodyPr spcFirstLastPara="0" vert="horz" wrap="square" lIns="80010" tIns="80010" rIns="80010" bIns="80010" numCol="1" spcCol="1270" anchor="ctr" anchorCtr="0">
+        <a:bodyPr spcFirstLastPara="0" vert="horz" wrap="square" lIns="83820" tIns="83820" rIns="83820" bIns="83820" numCol="1" spcCol="1270" anchor="ctr" anchorCtr="0">
           <a:noAutofit/>
         </a:bodyPr>
         <a:lstStyle/>
         <a:p>
-          <a:pPr marL="0" lvl="0" indent="0" algn="ctr" defTabSz="933450">
+          <a:pPr marL="0" lvl="0" indent="0" algn="ctr" defTabSz="977900">
             <a:lnSpc>
               <a:spcPct val="90000"/>
             </a:lnSpc>
@@ -10640,7 +10640,7 @@
             <a:buNone/>
           </a:pPr>
           <a:r>
-            <a:rPr lang="en-US" sz="2100" kern="1200" dirty="0"/>
+            <a:rPr lang="en-US" sz="2200" kern="1200" dirty="0"/>
             <a:t>Merge Sort</a:t>
           </a:r>
         </a:p>
@@ -10750,12 +10750,12 @@
         </a:fontRef>
       </dsp:style>
       <dsp:txBody>
-        <a:bodyPr spcFirstLastPara="0" vert="horz" wrap="square" lIns="80010" tIns="80010" rIns="80010" bIns="80010" numCol="1" spcCol="1270" anchor="ctr" anchorCtr="0">
+        <a:bodyPr spcFirstLastPara="0" vert="horz" wrap="square" lIns="83820" tIns="83820" rIns="83820" bIns="83820" numCol="1" spcCol="1270" anchor="ctr" anchorCtr="0">
           <a:noAutofit/>
         </a:bodyPr>
         <a:lstStyle/>
         <a:p>
-          <a:pPr marL="0" lvl="0" indent="0" algn="ctr" defTabSz="933450">
+          <a:pPr marL="0" lvl="0" indent="0" algn="ctr" defTabSz="977900">
             <a:lnSpc>
               <a:spcPct val="90000"/>
             </a:lnSpc>
@@ -10768,7 +10768,7 @@
             <a:buNone/>
           </a:pPr>
           <a:r>
-            <a:rPr lang="en-US" sz="2100" kern="1200" dirty="0"/>
+            <a:rPr lang="en-US" sz="2200" kern="1200" dirty="0"/>
             <a:t>Heap Sort</a:t>
           </a:r>
         </a:p>
@@ -10878,12 +10878,12 @@
         </a:fontRef>
       </dsp:style>
       <dsp:txBody>
-        <a:bodyPr spcFirstLastPara="0" vert="horz" wrap="square" lIns="80010" tIns="80010" rIns="80010" bIns="80010" numCol="1" spcCol="1270" anchor="ctr" anchorCtr="0">
+        <a:bodyPr spcFirstLastPara="0" vert="horz" wrap="square" lIns="83820" tIns="83820" rIns="83820" bIns="83820" numCol="1" spcCol="1270" anchor="ctr" anchorCtr="0">
           <a:noAutofit/>
         </a:bodyPr>
         <a:lstStyle/>
         <a:p>
-          <a:pPr marL="0" lvl="0" indent="0" algn="ctr" defTabSz="933450">
+          <a:pPr marL="0" lvl="0" indent="0" algn="ctr" defTabSz="977900">
             <a:lnSpc>
               <a:spcPct val="90000"/>
             </a:lnSpc>
@@ -10896,7 +10896,7 @@
             <a:buNone/>
           </a:pPr>
           <a:r>
-            <a:rPr lang="en-US" sz="2100" kern="1200" dirty="0"/>
+            <a:rPr lang="en-US" sz="2200" kern="1200" dirty="0"/>
             <a:t>Quick Sort</a:t>
           </a:r>
         </a:p>
@@ -11000,12 +11000,12 @@
         </a:fontRef>
       </dsp:style>
       <dsp:txBody>
-        <a:bodyPr spcFirstLastPara="0" vert="horz" wrap="square" lIns="80010" tIns="80010" rIns="80010" bIns="80010" numCol="1" spcCol="1270" anchor="ctr" anchorCtr="0">
+        <a:bodyPr spcFirstLastPara="0" vert="horz" wrap="square" lIns="83820" tIns="83820" rIns="83820" bIns="83820" numCol="1" spcCol="1270" anchor="ctr" anchorCtr="0">
           <a:noAutofit/>
         </a:bodyPr>
         <a:lstStyle/>
         <a:p>
-          <a:pPr marL="0" lvl="0" indent="0" algn="ctr" defTabSz="933450">
+          <a:pPr marL="0" lvl="0" indent="0" algn="ctr" defTabSz="977900">
             <a:lnSpc>
               <a:spcPct val="90000"/>
             </a:lnSpc>
@@ -11018,7 +11018,7 @@
             <a:buNone/>
           </a:pPr>
           <a:r>
-            <a:rPr lang="en-US" sz="2100" kern="1200" dirty="0"/>
+            <a:rPr lang="en-US" sz="2200" kern="1200" dirty="0"/>
             <a:t>Bogo Sort</a:t>
           </a:r>
         </a:p>
@@ -11369,12 +11369,12 @@
         </a:fontRef>
       </dsp:style>
       <dsp:txBody>
-        <a:bodyPr spcFirstLastPara="0" vert="horz" wrap="square" lIns="53340" tIns="53340" rIns="53340" bIns="53340" numCol="1" spcCol="1270" anchor="ctr" anchorCtr="0">
+        <a:bodyPr spcFirstLastPara="0" vert="horz" wrap="square" lIns="60960" tIns="60960" rIns="60960" bIns="60960" numCol="1" spcCol="1270" anchor="ctr" anchorCtr="0">
           <a:noAutofit/>
         </a:bodyPr>
         <a:lstStyle/>
         <a:p>
-          <a:pPr marL="0" lvl="0" indent="0" algn="ctr" defTabSz="622300">
+          <a:pPr marL="0" lvl="0" indent="0" algn="ctr" defTabSz="711200">
             <a:lnSpc>
               <a:spcPct val="90000"/>
             </a:lnSpc>
@@ -11387,7 +11387,7 @@
             <a:buNone/>
           </a:pPr>
           <a:r>
-            <a:rPr lang="en-US" sz="1400" kern="1200" dirty="0"/>
+            <a:rPr lang="en-US" sz="1600" kern="1200" dirty="0"/>
             <a:t>Splash Screen</a:t>
           </a:r>
         </a:p>
@@ -11498,12 +11498,12 @@
         </a:fontRef>
       </dsp:style>
       <dsp:txBody>
-        <a:bodyPr spcFirstLastPara="0" vert="horz" wrap="square" lIns="53340" tIns="53340" rIns="53340" bIns="53340" numCol="1" spcCol="1270" anchor="ctr" anchorCtr="0">
+        <a:bodyPr spcFirstLastPara="0" vert="horz" wrap="square" lIns="60960" tIns="60960" rIns="60960" bIns="60960" numCol="1" spcCol="1270" anchor="ctr" anchorCtr="0">
           <a:noAutofit/>
         </a:bodyPr>
         <a:lstStyle/>
         <a:p>
-          <a:pPr marL="0" lvl="0" indent="0" algn="ctr" defTabSz="622300">
+          <a:pPr marL="0" lvl="0" indent="0" algn="ctr" defTabSz="711200">
             <a:lnSpc>
               <a:spcPct val="90000"/>
             </a:lnSpc>
@@ -11516,7 +11516,7 @@
             <a:buNone/>
           </a:pPr>
           <a:r>
-            <a:rPr lang="en-US" sz="1400" kern="1200" dirty="0"/>
+            <a:rPr lang="en-US" sz="1600" kern="1200" dirty="0"/>
             <a:t>Main Menu</a:t>
           </a:r>
         </a:p>
@@ -11639,12 +11639,12 @@
         </a:fontRef>
       </dsp:style>
       <dsp:txBody>
-        <a:bodyPr spcFirstLastPara="0" vert="horz" wrap="square" lIns="53340" tIns="53340" rIns="53340" bIns="53340" numCol="1" spcCol="1270" anchor="ctr" anchorCtr="0">
+        <a:bodyPr spcFirstLastPara="0" vert="horz" wrap="square" lIns="60960" tIns="60960" rIns="60960" bIns="60960" numCol="1" spcCol="1270" anchor="ctr" anchorCtr="0">
           <a:noAutofit/>
         </a:bodyPr>
         <a:lstStyle/>
         <a:p>
-          <a:pPr marL="0" lvl="0" indent="0" algn="ctr" defTabSz="622300">
+          <a:pPr marL="0" lvl="0" indent="0" algn="ctr" defTabSz="711200">
             <a:lnSpc>
               <a:spcPct val="90000"/>
             </a:lnSpc>
@@ -11657,7 +11657,7 @@
             <a:buNone/>
           </a:pPr>
           <a:r>
-            <a:rPr lang="en-US" sz="1400" kern="1200" dirty="0"/>
+            <a:rPr lang="en-US" sz="1600" kern="1200" dirty="0"/>
             <a:t>Student Menu</a:t>
           </a:r>
         </a:p>
@@ -11768,12 +11768,12 @@
         </a:fontRef>
       </dsp:style>
       <dsp:txBody>
-        <a:bodyPr spcFirstLastPara="0" vert="horz" wrap="square" lIns="53340" tIns="53340" rIns="53340" bIns="53340" numCol="1" spcCol="1270" anchor="ctr" anchorCtr="0">
+        <a:bodyPr spcFirstLastPara="0" vert="horz" wrap="square" lIns="60960" tIns="60960" rIns="60960" bIns="60960" numCol="1" spcCol="1270" anchor="ctr" anchorCtr="0">
           <a:noAutofit/>
         </a:bodyPr>
         <a:lstStyle/>
         <a:p>
-          <a:pPr marL="0" lvl="0" indent="0" algn="ctr" defTabSz="622300">
+          <a:pPr marL="0" lvl="0" indent="0" algn="ctr" defTabSz="711200">
             <a:lnSpc>
               <a:spcPct val="90000"/>
             </a:lnSpc>
@@ -11786,7 +11786,7 @@
             <a:buNone/>
           </a:pPr>
           <a:r>
-            <a:rPr lang="en-US" sz="1400" kern="1200" dirty="0"/>
+            <a:rPr lang="en-US" sz="1600" kern="1200" dirty="0"/>
             <a:t>Admin Menu</a:t>
           </a:r>
         </a:p>
@@ -11909,12 +11909,12 @@
         </a:fontRef>
       </dsp:style>
       <dsp:txBody>
-        <a:bodyPr spcFirstLastPara="0" vert="horz" wrap="square" lIns="53340" tIns="53340" rIns="53340" bIns="53340" numCol="1" spcCol="1270" anchor="ctr" anchorCtr="0">
+        <a:bodyPr spcFirstLastPara="0" vert="horz" wrap="square" lIns="60960" tIns="60960" rIns="60960" bIns="60960" numCol="1" spcCol="1270" anchor="ctr" anchorCtr="0">
           <a:noAutofit/>
         </a:bodyPr>
         <a:lstStyle/>
         <a:p>
-          <a:pPr marL="0" lvl="0" indent="0" algn="ctr" defTabSz="622300">
+          <a:pPr marL="0" lvl="0" indent="0" algn="ctr" defTabSz="711200">
             <a:lnSpc>
               <a:spcPct val="90000"/>
             </a:lnSpc>
@@ -11927,7 +11927,7 @@
             <a:buNone/>
           </a:pPr>
           <a:r>
-            <a:rPr lang="en-US" sz="1400" kern="1200" dirty="0"/>
+            <a:rPr lang="en-US" sz="1600" kern="1200" dirty="0"/>
             <a:t>login Menu</a:t>
           </a:r>
         </a:p>
@@ -12032,12 +12032,12 @@
         </a:fontRef>
       </dsp:style>
       <dsp:txBody>
-        <a:bodyPr spcFirstLastPara="0" vert="horz" wrap="square" lIns="53340" tIns="53340" rIns="53340" bIns="53340" numCol="1" spcCol="1270" anchor="ctr" anchorCtr="0">
+        <a:bodyPr spcFirstLastPara="0" vert="horz" wrap="square" lIns="60960" tIns="60960" rIns="60960" bIns="60960" numCol="1" spcCol="1270" anchor="ctr" anchorCtr="0">
           <a:noAutofit/>
         </a:bodyPr>
         <a:lstStyle/>
         <a:p>
-          <a:pPr marL="0" lvl="0" indent="0" algn="ctr" defTabSz="622300">
+          <a:pPr marL="0" lvl="0" indent="0" algn="ctr" defTabSz="711200">
             <a:lnSpc>
               <a:spcPct val="90000"/>
             </a:lnSpc>
@@ -12050,7 +12050,7 @@
             <a:buNone/>
           </a:pPr>
           <a:r>
-            <a:rPr lang="en-US" sz="1400" kern="1200" dirty="0"/>
+            <a:rPr lang="en-US" sz="1600" kern="1200" dirty="0"/>
             <a:t>Librarian Menu</a:t>
           </a:r>
         </a:p>
@@ -12167,12 +12167,12 @@
         </a:fontRef>
       </dsp:style>
       <dsp:txBody>
-        <a:bodyPr spcFirstLastPara="0" vert="horz" wrap="square" lIns="53340" tIns="53340" rIns="53340" bIns="53340" numCol="1" spcCol="1270" anchor="ctr" anchorCtr="0">
+        <a:bodyPr spcFirstLastPara="0" vert="horz" wrap="square" lIns="60960" tIns="60960" rIns="60960" bIns="60960" numCol="1" spcCol="1270" anchor="ctr" anchorCtr="0">
           <a:noAutofit/>
         </a:bodyPr>
         <a:lstStyle/>
         <a:p>
-          <a:pPr marL="0" lvl="0" indent="0" algn="ctr" defTabSz="622300">
+          <a:pPr marL="0" lvl="0" indent="0" algn="ctr" defTabSz="711200">
             <a:lnSpc>
               <a:spcPct val="90000"/>
             </a:lnSpc>
@@ -12185,7 +12185,7 @@
             <a:buNone/>
           </a:pPr>
           <a:r>
-            <a:rPr lang="en-US" sz="1400" kern="1200" dirty="0"/>
+            <a:rPr lang="en-US" sz="1600" kern="1200" dirty="0"/>
             <a:t>Sorting Menu</a:t>
           </a:r>
         </a:p>
@@ -12296,12 +12296,12 @@
         </a:fontRef>
       </dsp:style>
       <dsp:txBody>
-        <a:bodyPr spcFirstLastPara="0" vert="horz" wrap="square" lIns="53340" tIns="53340" rIns="53340" bIns="53340" numCol="1" spcCol="1270" anchor="ctr" anchorCtr="0">
+        <a:bodyPr spcFirstLastPara="0" vert="horz" wrap="square" lIns="60960" tIns="60960" rIns="60960" bIns="60960" numCol="1" spcCol="1270" anchor="ctr" anchorCtr="0">
           <a:noAutofit/>
         </a:bodyPr>
         <a:lstStyle/>
         <a:p>
-          <a:pPr marL="0" lvl="0" indent="0" algn="ctr" defTabSz="622300">
+          <a:pPr marL="0" lvl="0" indent="0" algn="ctr" defTabSz="711200">
             <a:lnSpc>
               <a:spcPct val="90000"/>
             </a:lnSpc>
@@ -12314,7 +12314,7 @@
             <a:buNone/>
           </a:pPr>
           <a:r>
-            <a:rPr lang="en-US" sz="1400" kern="1200" dirty="0"/>
+            <a:rPr lang="en-US" sz="1600" kern="1200" dirty="0"/>
             <a:t>Search Menu</a:t>
           </a:r>
         </a:p>
@@ -27471,11 +27471,11 @@
             <a:pPr algn="ctr"/>
             <a:r>
               <a:rPr lang="en-US" dirty="0"/>
-              <a:t>Arpan Pokharel </a:t>
+              <a:t>Arpan Pokharel  </a:t>
             </a:r>
             <a:r>
               <a:rPr lang="en-US" b="1" dirty="0"/>
-              <a:t>(075bct015)</a:t>
+              <a:t>(075 BCT 015)</a:t>
             </a:r>
             <a:br>
               <a:rPr lang="en-US" dirty="0"/>
@@ -27490,22 +27490,22 @@
             </a:r>
             <a:r>
               <a:rPr lang="en-US" dirty="0"/>
-              <a:t> </a:t>
+              <a:t>      </a:t>
             </a:r>
             <a:r>
               <a:rPr lang="en-US" b="1" dirty="0"/>
-              <a:t>(075bct097)</a:t>
+              <a:t>(075 BCT 097)</a:t>
             </a:r>
             <a:br>
               <a:rPr lang="en-US" dirty="0"/>
             </a:br>
             <a:r>
               <a:rPr lang="en-US" dirty="0"/>
-              <a:t>Chirag Lamsal </a:t>
+              <a:t>Chirag Lamsal    </a:t>
             </a:r>
             <a:r>
               <a:rPr lang="en-US" b="1" dirty="0"/>
-              <a:t>(075bct032)</a:t>
+              <a:t>(075 BCT 032)</a:t>
             </a:r>
           </a:p>
         </p:txBody>
@@ -27600,7 +27600,7 @@
           <a:p>
             <a:r>
               <a:rPr lang="en-US" dirty="0"/>
-              <a:t>Searching Algorithms</a:t>
+              <a:t>SEARCHING  ALGORITHMS</a:t>
             </a:r>
           </a:p>
         </p:txBody>
@@ -28177,7 +28177,7 @@
           <a:p>
             <a:r>
               <a:rPr lang="en-US" dirty="0"/>
-              <a:t>Conclusion</a:t>
+              <a:t>CONCLUSION</a:t>
             </a:r>
           </a:p>
         </p:txBody>
@@ -28478,7 +28478,7 @@
           <a:p>
             <a:r>
               <a:rPr lang="en-US" dirty="0"/>
-              <a:t>Objectives</a:t>
+              <a:t>OBJECTIVES</a:t>
             </a:r>
           </a:p>
         </p:txBody>
@@ -28505,7 +28505,25 @@
                 </a:solidFill>
                 <a:latin typeface="Helvetica Neue"/>
               </a:rPr>
-              <a:t>To understand data structure and algorithm concept using C++.</a:t>
+              <a:t>To understand Data </a:t>
+            </a:r>
+            <a:r>
+              <a:rPr lang="en-US" dirty="0">
+                <a:solidFill>
+                  <a:srgbClr val="000000"/>
+                </a:solidFill>
+                <a:latin typeface="Helvetica Neue"/>
+              </a:rPr>
+              <a:t>S</a:t>
+            </a:r>
+            <a:r>
+              <a:rPr lang="en-US" sz="2000" b="0" i="0" u="none" strike="noStrike" baseline="0" dirty="0">
+                <a:solidFill>
+                  <a:srgbClr val="000000"/>
+                </a:solidFill>
+                <a:latin typeface="Helvetica Neue"/>
+              </a:rPr>
+              <a:t>tructure and Algorithm concept using C++.</a:t>
             </a:r>
           </a:p>
           <a:p>
@@ -28530,7 +28548,7 @@
                 </a:solidFill>
                 <a:latin typeface="Helvetica Neue"/>
               </a:rPr>
-              <a:t>To develop creativity and individuality in problem solving, performing tasks and teamwork </a:t>
+              <a:t>To develop creativity and individuality in problem solving, performing tasks and teamwork.</a:t>
             </a:r>
           </a:p>
           <a:p>
@@ -28641,7 +28659,7 @@
           <a:p>
             <a:r>
               <a:rPr lang="en-US" dirty="0"/>
-              <a:t>Introduction</a:t>
+              <a:t>INTRODUCTION</a:t>
             </a:r>
           </a:p>
         </p:txBody>
@@ -28672,7 +28690,7 @@
                 <a:effectLst/>
                 <a:latin typeface="ff3"/>
               </a:rPr>
-              <a:t>E-Library LMS is an application which refers to library Management Systems which manages the </a:t>
+              <a:t>E-Library LMS is an application, a Library Management System which manages the </a:t>
             </a:r>
             <a:r>
               <a:rPr lang="en-US" dirty="0">
@@ -28742,7 +28760,7 @@
                 <a:effectLst/>
                 <a:latin typeface="ff3"/>
               </a:rPr>
-              <a:t>books, return books, addition new book, etc.</a:t>
+              <a:t>books, return books, add new book, etc.</a:t>
             </a:r>
           </a:p>
           <a:p>
@@ -28779,18 +28797,18 @@
                   <a:srgbClr val="000000"/>
                 </a:solidFill>
                 <a:effectLst/>
-                <a:latin typeface="ff4"/>
+                <a:latin typeface="ff3"/>
               </a:rPr>
-              <a:t>If user’s position is</a:t>
+              <a:t>The </a:t>
             </a:r>
             <a:r>
               <a:rPr lang="en-US" dirty="0">
                 <a:solidFill>
                   <a:srgbClr val="000000"/>
                 </a:solidFill>
-                <a:latin typeface="Roboto"/>
+                <a:latin typeface="ff3"/>
               </a:rPr>
-              <a:t> </a:t>
+              <a:t>A</a:t>
             </a:r>
             <a:r>
               <a:rPr lang="en-US" b="0" i="0" dirty="0">
@@ -28800,7 +28818,7 @@
                 <a:effectLst/>
                 <a:latin typeface="ff3"/>
               </a:rPr>
-              <a:t>admin, the user is able to generate different kinds of reports like lists of students registered, list of books, issue and return reports. All these modules are able to help librarian to manage the library with more convenience and in a more efficient way as compared to library systems which are not computerized.</a:t>
+              <a:t>dmin is able to generate different kinds of reports like lists of students registered, list of books, issue and return reports. All these modules are able to help librarian to manage the library with more convenience and in a more efficient way as compared to library systems which are not computerized.</a:t>
             </a:r>
             <a:endParaRPr lang="en-US" b="0" i="0" dirty="0">
               <a:solidFill>
@@ -28896,7 +28914,7 @@
           <a:p>
             <a:r>
               <a:rPr lang="en-US" dirty="0"/>
-              <a:t>Proposed System</a:t>
+              <a:t>PROPOSED SYSTEM</a:t>
             </a:r>
           </a:p>
         </p:txBody>
@@ -28927,7 +28945,7 @@
                 <a:effectLst/>
                 <a:latin typeface="Helvetica Neue"/>
               </a:rPr>
-              <a:t>The application can search for all the books by title, author or subject, preview their contents </a:t>
+              <a:t>The application can search for all the books by title, author or subject, preview their contents.</a:t>
             </a:r>
           </a:p>
           <a:p>
@@ -29054,7 +29072,7 @@
           <a:p>
             <a:r>
               <a:rPr lang="en-US" dirty="0"/>
-              <a:t>Features</a:t>
+              <a:t>FEATURES</a:t>
             </a:r>
           </a:p>
         </p:txBody>
@@ -29083,7 +29101,7 @@
                 </a:solidFill>
                 <a:latin typeface="Helvetica Neue"/>
               </a:rPr>
-              <a:t>Create, Read, Update, Delete(CRUD)operations for students and book records.</a:t>
+              <a:t>Create, Read, Update, Delete(CRUD) operations for students and book records.</a:t>
             </a:r>
           </a:p>
           <a:p>
@@ -29103,7 +29121,7 @@
                 <a:effectLst/>
                 <a:latin typeface="Helvetica Neue"/>
               </a:rPr>
-              <a:t>Book issue</a:t>
+              <a:t>Book issue.</a:t>
             </a:r>
           </a:p>
           <a:p>
@@ -29120,6 +29138,15 @@
           </a:p>
           <a:p>
             <a:r>
+              <a:rPr lang="en-US" dirty="0">
+                <a:solidFill>
+                  <a:srgbClr val="3B3835"/>
+                </a:solidFill>
+                <a:latin typeface="Helvetica Neue"/>
+              </a:rPr>
+              <a:t>S</a:t>
+            </a:r>
+            <a:r>
               <a:rPr lang="en-US" b="0" i="0" dirty="0">
                 <a:solidFill>
                   <a:srgbClr val="3B3835"/>
@@ -29127,7 +29154,7 @@
                 <a:effectLst/>
                 <a:latin typeface="Helvetica Neue"/>
               </a:rPr>
-              <a:t>User to sort and preview books.</a:t>
+              <a:t>ort and preview books.</a:t>
             </a:r>
           </a:p>
           <a:p>
@@ -29148,7 +29175,7 @@
                 <a:effectLst/>
                 <a:latin typeface="Helvetica Neue"/>
               </a:rPr>
-              <a:t>Student login page where student can find books </a:t>
+              <a:t>Student login page where student can find books.</a:t>
             </a:r>
           </a:p>
           <a:p>
@@ -29169,7 +29196,7 @@
                 <a:effectLst/>
                 <a:latin typeface="Helvetica Neue"/>
               </a:rPr>
-              <a:t>A search column to search availability of books</a:t>
+              <a:t>A search column to search availability of books.</a:t>
             </a:r>
           </a:p>
           <a:p>
@@ -29190,7 +29217,26 @@
                 <a:effectLst/>
                 <a:latin typeface="Helvetica Neue"/>
               </a:rPr>
-              <a:t>View their records DIGITAL LIBRARY SYSTEM </a:t>
+              <a:t>View </a:t>
+            </a:r>
+            <a:r>
+              <a:rPr lang="en-US" dirty="0">
+                <a:solidFill>
+                  <a:srgbClr val="3B3835"/>
+                </a:solidFill>
+                <a:latin typeface="Helvetica Neue"/>
+              </a:rPr>
+              <a:t>student/book</a:t>
+            </a:r>
+            <a:r>
+              <a:rPr lang="en-US" b="0" i="0" dirty="0">
+                <a:solidFill>
+                  <a:srgbClr val="3B3835"/>
+                </a:solidFill>
+                <a:effectLst/>
+                <a:latin typeface="Helvetica Neue"/>
+              </a:rPr>
+              <a:t> records via Digital Library System.</a:t>
             </a:r>
             <a:endParaRPr lang="en-US" dirty="0">
               <a:latin typeface="Helvetica Neue"/>
@@ -29291,7 +29337,7 @@
           <a:p>
             <a:r>
               <a:rPr lang="en-US" dirty="0"/>
-              <a:t>Flowchart</a:t>
+              <a:t>FLOWCHART</a:t>
             </a:r>
           </a:p>
         </p:txBody>
@@ -29326,8 +29372,8 @@
         </p:blipFill>
         <p:spPr>
           <a:xfrm>
-            <a:off x="1104901" y="1600200"/>
-            <a:ext cx="9980682" cy="4572000"/>
+            <a:off x="1104900" y="1494844"/>
+            <a:ext cx="9980682" cy="5096787"/>
           </a:xfrm>
         </p:spPr>
       </p:pic>
@@ -29395,7 +29441,7 @@
           <a:p>
             <a:r>
               <a:rPr lang="en-US" dirty="0"/>
-              <a:t>Implementation</a:t>
+              <a:t>IMPLEMENTATION</a:t>
             </a:r>
           </a:p>
         </p:txBody>
@@ -29552,7 +29598,7 @@
           <a:p>
             <a:r>
               <a:rPr lang="en-US" dirty="0"/>
-              <a:t>Algorithm</a:t>
+              <a:t>ALGORITHM</a:t>
             </a:r>
           </a:p>
         </p:txBody>
@@ -29782,7 +29828,7 @@
           <a:p>
             <a:r>
               <a:rPr lang="en-US" dirty="0"/>
-              <a:t>Sorting Algorithms</a:t>
+              <a:t>SORTING  ALGORITHMS</a:t>
             </a:r>
           </a:p>
         </p:txBody>
@@ -30771,6 +30817,15 @@
 </file>
 
 <file path=customXml/item1.xml><?xml version="1.0" encoding="utf-8"?>
+<?mso-contentType ?>
+<FormTemplates xmlns="http://schemas.microsoft.com/sharepoint/v3/contenttype/forms">
+  <Display>DocumentLibraryForm</Display>
+  <Edit>AssetEditForm</Edit>
+  <New>DocumentLibraryForm</New>
+</FormTemplates>
+</file>
+
+<file path=customXml/item2.xml><?xml version="1.0" encoding="utf-8"?>
 <p:properties xmlns:p="http://schemas.microsoft.com/office/2006/metadata/properties" xmlns:xsi="http://www.w3.org/2001/XMLSchema-instance" xmlns:pc="http://schemas.microsoft.com/office/infopath/2007/PartnerControls">
   <documentManagement>
     <APDescription xmlns="4873beb7-5857-4685-be1f-d57550cc96cc" xsi:nil="true"/>
@@ -30894,15 +30949,6 @@
     <UANotes xmlns="4873beb7-5857-4685-be1f-d57550cc96cc" xsi:nil="true"/>
   </documentManagement>
 </p:properties>
-</file>
-
-<file path=customXml/item2.xml><?xml version="1.0" encoding="utf-8"?>
-<?mso-contentType ?>
-<FormTemplates xmlns="http://schemas.microsoft.com/sharepoint/v3/contenttype/forms">
-  <Display>DocumentLibraryForm</Display>
-  <Edit>AssetEditForm</Edit>
-  <New>DocumentLibraryForm</New>
-</FormTemplates>
 </file>
 
 <file path=customXml/item3.xml><?xml version="1.0" encoding="utf-8"?>
@@ -31946,6 +31992,14 @@
 </file>
 
 <file path=customXml/itemProps1.xml><?xml version="1.0" encoding="utf-8"?>
+<ds:datastoreItem xmlns:ds="http://schemas.openxmlformats.org/officeDocument/2006/customXml" ds:itemID="{561E720F-F05D-4536-9C34-0CFCED65D3B7}">
+  <ds:schemaRefs>
+    <ds:schemaRef ds:uri="http://schemas.microsoft.com/sharepoint/v3/contenttype/forms"/>
+  </ds:schemaRefs>
+</ds:datastoreItem>
+</file>
+
+<file path=customXml/itemProps2.xml><?xml version="1.0" encoding="utf-8"?>
 <ds:datastoreItem xmlns:ds="http://schemas.openxmlformats.org/officeDocument/2006/customXml" ds:itemID="{8CDDBB83-77C1-4099-A0AA-289882E745E2}">
   <ds:schemaRefs>
     <ds:schemaRef ds:uri="http://purl.org/dc/elements/1.1/"/>
@@ -31957,14 +32011,6 @@
     <ds:schemaRef ds:uri="http://schemas.microsoft.com/office/infopath/2007/PartnerControls"/>
     <ds:schemaRef ds:uri="http://www.w3.org/XML/1998/namespace"/>
     <ds:schemaRef ds:uri="http://purl.org/dc/dcmitype/"/>
-  </ds:schemaRefs>
-</ds:datastoreItem>
-</file>
-
-<file path=customXml/itemProps2.xml><?xml version="1.0" encoding="utf-8"?>
-<ds:datastoreItem xmlns:ds="http://schemas.openxmlformats.org/officeDocument/2006/customXml" ds:itemID="{561E720F-F05D-4536-9C34-0CFCED65D3B7}">
-  <ds:schemaRefs>
-    <ds:schemaRef ds:uri="http://schemas.microsoft.com/sharepoint/v3/contenttype/forms"/>
   </ds:schemaRefs>
 </ds:datastoreItem>
 </file>

--- a/E-Library.pptx
+++ b/E-Library.pptx
@@ -7990,7 +7990,7 @@
       </dgm:spPr>
     </dgm:pt>
     <dgm:pt modelId="{500EEC7F-4E84-45EF-9CFC-F6F6809D084F}" type="pres">
-      <dgm:prSet presAssocID="{0B7B3197-2AF9-406A-BFBF-D037CDE01688}" presName="Parent" presStyleLbl="node0" presStyleIdx="0" presStyleCnt="2" custScaleX="79236" custLinFactNeighborX="-2615" custLinFactNeighborY="1364">
+      <dgm:prSet presAssocID="{0B7B3197-2AF9-406A-BFBF-D037CDE01688}" presName="Parent" presStyleLbl="node0" presStyleIdx="0" presStyleCnt="2" custScaleX="68714" custScaleY="79028" custLinFactNeighborX="-6408" custLinFactNeighborY="1364">
         <dgm:presLayoutVars>
           <dgm:bulletEnabled val="1"/>
         </dgm:presLayoutVars>
@@ -8014,7 +8014,7 @@
       </dgm:spPr>
     </dgm:pt>
     <dgm:pt modelId="{9A77F192-2C65-4789-BCDB-18E35C956A90}" type="pres">
-      <dgm:prSet presAssocID="{032EFF16-BDAA-40AD-9407-6C87090E7B5D}" presName="Parent" presStyleLbl="node0" presStyleIdx="1" presStyleCnt="2" custScaleX="88002" custLinFactNeighborX="1173" custLinFactNeighborY="-682">
+      <dgm:prSet presAssocID="{032EFF16-BDAA-40AD-9407-6C87090E7B5D}" presName="Parent" presStyleLbl="node0" presStyleIdx="1" presStyleCnt="2" custScaleX="80416" custScaleY="81756" custLinFactNeighborX="7237" custLinFactNeighborY="682">
         <dgm:presLayoutVars>
           <dgm:bulletEnabled val="1"/>
         </dgm:presLayoutVars>
@@ -11047,7 +11047,7 @@
       </dsp:nvSpPr>
       <dsp:spPr>
         <a:xfrm flipH="1">
-          <a:off x="4791355" y="212727"/>
+          <a:off x="4975367" y="273853"/>
           <a:ext cx="328001" cy="4160520"/>
         </a:xfrm>
         <a:prstGeom prst="rect">
@@ -11081,8 +11081,8 @@
       </dsp:nvSpPr>
       <dsp:spPr>
         <a:xfrm>
-          <a:off x="308477" y="3406140"/>
-          <a:ext cx="3844015" cy="1165860"/>
+          <a:off x="563707" y="3605420"/>
+          <a:ext cx="3333556" cy="921355"/>
         </a:xfrm>
         <a:prstGeom prst="rect">
           <a:avLst/>
@@ -11123,12 +11123,12 @@
         </a:fontRef>
       </dsp:style>
       <dsp:txBody>
-        <a:bodyPr spcFirstLastPara="0" vert="horz" wrap="square" lIns="87630" tIns="87630" rIns="87630" bIns="87630" numCol="1" spcCol="1270" anchor="ctr" anchorCtr="0">
+        <a:bodyPr spcFirstLastPara="0" vert="horz" wrap="square" lIns="76200" tIns="76200" rIns="76200" bIns="76200" numCol="1" spcCol="1270" anchor="ctr" anchorCtr="0">
           <a:noAutofit/>
         </a:bodyPr>
         <a:lstStyle/>
         <a:p>
-          <a:pPr marL="0" lvl="0" indent="0" algn="ctr" defTabSz="2044700">
+          <a:pPr marL="0" lvl="0" indent="0" algn="ctr" defTabSz="1778000">
             <a:lnSpc>
               <a:spcPct val="90000"/>
             </a:lnSpc>
@@ -11141,14 +11141,14 @@
             <a:buNone/>
           </a:pPr>
           <a:r>
-            <a:rPr lang="en-US" sz="4600" kern="1200" dirty="0"/>
+            <a:rPr lang="en-US" sz="4000" kern="1200" dirty="0"/>
             <a:t>Linear Search</a:t>
           </a:r>
         </a:p>
       </dsp:txBody>
       <dsp:txXfrm>
-        <a:off x="308477" y="3406140"/>
-        <a:ext cx="3844015" cy="1165860"/>
+        <a:off x="563707" y="3605420"/>
+        <a:ext cx="3333556" cy="921355"/>
       </dsp:txXfrm>
     </dsp:sp>
     <dsp:sp modelId="{0BD9567E-57E0-417F-BCC9-4746BCD99FD3}">
@@ -11158,7 +11158,7 @@
       </dsp:nvSpPr>
       <dsp:spPr>
         <a:xfrm flipH="1">
-          <a:off x="4737599" y="260448"/>
+          <a:off x="4482369" y="313623"/>
           <a:ext cx="143901" cy="4160520"/>
         </a:xfrm>
         <a:prstGeom prst="rect">
@@ -11192,8 +11192,8 @@
       </dsp:nvSpPr>
       <dsp:spPr>
         <a:xfrm>
-          <a:off x="5334481" y="3398188"/>
-          <a:ext cx="4269284" cy="1165860"/>
+          <a:off x="5557449" y="3573615"/>
+          <a:ext cx="3901260" cy="953160"/>
         </a:xfrm>
         <a:prstGeom prst="rect">
           <a:avLst/>
@@ -11234,12 +11234,12 @@
         </a:fontRef>
       </dsp:style>
       <dsp:txBody>
-        <a:bodyPr spcFirstLastPara="0" vert="horz" wrap="square" lIns="87630" tIns="87630" rIns="87630" bIns="87630" numCol="1" spcCol="1270" anchor="ctr" anchorCtr="0">
+        <a:bodyPr spcFirstLastPara="0" vert="horz" wrap="square" lIns="76200" tIns="76200" rIns="76200" bIns="76200" numCol="1" spcCol="1270" anchor="ctr" anchorCtr="0">
           <a:noAutofit/>
         </a:bodyPr>
         <a:lstStyle/>
         <a:p>
-          <a:pPr marL="0" lvl="0" indent="0" algn="ctr" defTabSz="2044700">
+          <a:pPr marL="0" lvl="0" indent="0" algn="ctr" defTabSz="1778000">
             <a:lnSpc>
               <a:spcPct val="90000"/>
             </a:lnSpc>
@@ -11252,14 +11252,14 @@
             <a:buNone/>
           </a:pPr>
           <a:r>
-            <a:rPr lang="en-US" sz="4600" kern="1200" dirty="0"/>
+            <a:rPr lang="en-US" sz="4000" kern="1200" dirty="0"/>
             <a:t>Binary Search</a:t>
           </a:r>
         </a:p>
       </dsp:txBody>
       <dsp:txXfrm>
-        <a:off x="5334481" y="3398188"/>
-        <a:ext cx="4269284" cy="1165860"/>
+        <a:off x="5557449" y="3573615"/>
+        <a:ext cx="3901260" cy="953160"/>
       </dsp:txXfrm>
     </dsp:sp>
   </dsp:spTree>
@@ -12167,12 +12167,12 @@
         </a:fontRef>
       </dsp:style>
       <dsp:txBody>
-        <a:bodyPr spcFirstLastPara="0" vert="horz" wrap="square" lIns="60960" tIns="60960" rIns="60960" bIns="60960" numCol="1" spcCol="1270" anchor="ctr" anchorCtr="0">
+        <a:bodyPr spcFirstLastPara="0" vert="horz" wrap="square" lIns="53340" tIns="53340" rIns="53340" bIns="53340" numCol="1" spcCol="1270" anchor="ctr" anchorCtr="0">
           <a:noAutofit/>
         </a:bodyPr>
         <a:lstStyle/>
         <a:p>
-          <a:pPr marL="0" lvl="0" indent="0" algn="ctr" defTabSz="711200">
+          <a:pPr marL="0" lvl="0" indent="0" algn="ctr" defTabSz="622300">
             <a:lnSpc>
               <a:spcPct val="90000"/>
             </a:lnSpc>
@@ -12185,7 +12185,7 @@
             <a:buNone/>
           </a:pPr>
           <a:r>
-            <a:rPr lang="en-US" sz="1600" kern="1200" dirty="0"/>
+            <a:rPr lang="en-US" sz="1400" kern="1200" dirty="0"/>
             <a:t>Sorting Menu</a:t>
           </a:r>
         </a:p>
@@ -12296,12 +12296,12 @@
         </a:fontRef>
       </dsp:style>
       <dsp:txBody>
-        <a:bodyPr spcFirstLastPara="0" vert="horz" wrap="square" lIns="60960" tIns="60960" rIns="60960" bIns="60960" numCol="1" spcCol="1270" anchor="ctr" anchorCtr="0">
+        <a:bodyPr spcFirstLastPara="0" vert="horz" wrap="square" lIns="53340" tIns="53340" rIns="53340" bIns="53340" numCol="1" spcCol="1270" anchor="ctr" anchorCtr="0">
           <a:noAutofit/>
         </a:bodyPr>
         <a:lstStyle/>
         <a:p>
-          <a:pPr marL="0" lvl="0" indent="0" algn="ctr" defTabSz="711200">
+          <a:pPr marL="0" lvl="0" indent="0" algn="ctr" defTabSz="622300">
             <a:lnSpc>
               <a:spcPct val="90000"/>
             </a:lnSpc>
@@ -12314,7 +12314,7 @@
             <a:buNone/>
           </a:pPr>
           <a:r>
-            <a:rPr lang="en-US" sz="1600" kern="1200" dirty="0"/>
+            <a:rPr lang="en-US" sz="1400" kern="1200" dirty="0"/>
             <a:t>Search Menu</a:t>
           </a:r>
         </a:p>
@@ -27693,7 +27693,7 @@
             <p:ph idx="1"/>
             <p:extLst>
               <p:ext uri="{D42A27DB-BD31-4B8C-83A1-F6EECF244321}">
-                <p14:modId xmlns:p14="http://schemas.microsoft.com/office/powerpoint/2010/main" val="451889892"/>
+                <p14:modId xmlns:p14="http://schemas.microsoft.com/office/powerpoint/2010/main" val="607205786"/>
               </p:ext>
             </p:extLst>
           </p:nvPr>
@@ -30817,15 +30817,6 @@
 </file>
 
 <file path=customXml/item1.xml><?xml version="1.0" encoding="utf-8"?>
-<?mso-contentType ?>
-<FormTemplates xmlns="http://schemas.microsoft.com/sharepoint/v3/contenttype/forms">
-  <Display>DocumentLibraryForm</Display>
-  <Edit>AssetEditForm</Edit>
-  <New>DocumentLibraryForm</New>
-</FormTemplates>
-</file>
-
-<file path=customXml/item2.xml><?xml version="1.0" encoding="utf-8"?>
 <p:properties xmlns:p="http://schemas.microsoft.com/office/2006/metadata/properties" xmlns:xsi="http://www.w3.org/2001/XMLSchema-instance" xmlns:pc="http://schemas.microsoft.com/office/infopath/2007/PartnerControls">
   <documentManagement>
     <APDescription xmlns="4873beb7-5857-4685-be1f-d57550cc96cc" xsi:nil="true"/>
@@ -30949,6 +30940,15 @@
     <UANotes xmlns="4873beb7-5857-4685-be1f-d57550cc96cc" xsi:nil="true"/>
   </documentManagement>
 </p:properties>
+</file>
+
+<file path=customXml/item2.xml><?xml version="1.0" encoding="utf-8"?>
+<?mso-contentType ?>
+<FormTemplates xmlns="http://schemas.microsoft.com/sharepoint/v3/contenttype/forms">
+  <Display>DocumentLibraryForm</Display>
+  <Edit>AssetEditForm</Edit>
+  <New>DocumentLibraryForm</New>
+</FormTemplates>
 </file>
 
 <file path=customXml/item3.xml><?xml version="1.0" encoding="utf-8"?>
@@ -31992,14 +31992,6 @@
 </file>
 
 <file path=customXml/itemProps1.xml><?xml version="1.0" encoding="utf-8"?>
-<ds:datastoreItem xmlns:ds="http://schemas.openxmlformats.org/officeDocument/2006/customXml" ds:itemID="{561E720F-F05D-4536-9C34-0CFCED65D3B7}">
-  <ds:schemaRefs>
-    <ds:schemaRef ds:uri="http://schemas.microsoft.com/sharepoint/v3/contenttype/forms"/>
-  </ds:schemaRefs>
-</ds:datastoreItem>
-</file>
-
-<file path=customXml/itemProps2.xml><?xml version="1.0" encoding="utf-8"?>
 <ds:datastoreItem xmlns:ds="http://schemas.openxmlformats.org/officeDocument/2006/customXml" ds:itemID="{8CDDBB83-77C1-4099-A0AA-289882E745E2}">
   <ds:schemaRefs>
     <ds:schemaRef ds:uri="http://purl.org/dc/elements/1.1/"/>
@@ -32011,6 +32003,14 @@
     <ds:schemaRef ds:uri="http://schemas.microsoft.com/office/infopath/2007/PartnerControls"/>
     <ds:schemaRef ds:uri="http://www.w3.org/XML/1998/namespace"/>
     <ds:schemaRef ds:uri="http://purl.org/dc/dcmitype/"/>
+  </ds:schemaRefs>
+</ds:datastoreItem>
+</file>
+
+<file path=customXml/itemProps2.xml><?xml version="1.0" encoding="utf-8"?>
+<ds:datastoreItem xmlns:ds="http://schemas.openxmlformats.org/officeDocument/2006/customXml" ds:itemID="{561E720F-F05D-4536-9C34-0CFCED65D3B7}">
+  <ds:schemaRefs>
+    <ds:schemaRef ds:uri="http://schemas.microsoft.com/sharepoint/v3/contenttype/forms"/>
   </ds:schemaRefs>
 </ds:datastoreItem>
 </file>

--- a/E-Library.pptx
+++ b/E-Library.pptx
@@ -27482,15 +27482,7 @@
             </a:br>
             <a:r>
               <a:rPr lang="en-US" dirty="0"/>
-              <a:t>Bibek </a:t>
-            </a:r>
-            <a:r>
-              <a:rPr lang="en-US" dirty="0" err="1"/>
-              <a:t>Basyal</a:t>
-            </a:r>
-            <a:r>
-              <a:rPr lang="en-US" dirty="0"/>
-              <a:t>      </a:t>
+              <a:t>Bibek Basyal    </a:t>
             </a:r>
             <a:r>
               <a:rPr lang="en-US" b="1" dirty="0"/>
@@ -27501,7 +27493,15 @@
             </a:br>
             <a:r>
               <a:rPr lang="en-US" dirty="0"/>
-              <a:t>Chirag Lamsal    </a:t>
+              <a:t>Chirag </a:t>
+            </a:r>
+            <a:r>
+              <a:rPr lang="en-US" dirty="0" err="1"/>
+              <a:t>Lamsal</a:t>
+            </a:r>
+            <a:r>
+              <a:rPr lang="en-US" dirty="0"/>
+              <a:t>   </a:t>
             </a:r>
             <a:r>
               <a:rPr lang="en-US" b="1" dirty="0"/>
@@ -30817,141 +30817,6 @@
 </file>
 
 <file path=customXml/item1.xml><?xml version="1.0" encoding="utf-8"?>
-<p:properties xmlns:p="http://schemas.microsoft.com/office/2006/metadata/properties" xmlns:xsi="http://www.w3.org/2001/XMLSchema-instance" xmlns:pc="http://schemas.microsoft.com/office/infopath/2007/PartnerControls">
-  <documentManagement>
-    <APDescription xmlns="4873beb7-5857-4685-be1f-d57550cc96cc" xsi:nil="true"/>
-    <AssetExpire xmlns="4873beb7-5857-4685-be1f-d57550cc96cc">2029-01-01T08:00:00+00:00</AssetExpire>
-    <CampaignTagsTaxHTField0 xmlns="4873beb7-5857-4685-be1f-d57550cc96cc">
-      <Terms xmlns="http://schemas.microsoft.com/office/infopath/2007/PartnerControls"/>
-    </CampaignTagsTaxHTField0>
-    <IntlLangReviewDate xmlns="4873beb7-5857-4685-be1f-d57550cc96cc" xsi:nil="true"/>
-    <TPFriendlyName xmlns="4873beb7-5857-4685-be1f-d57550cc96cc" xsi:nil="true"/>
-    <IntlLangReview xmlns="4873beb7-5857-4685-be1f-d57550cc96cc">false</IntlLangReview>
-    <LocLastLocAttemptVersionLookup xmlns="4873beb7-5857-4685-be1f-d57550cc96cc">855024</LocLastLocAttemptVersionLookup>
-    <PolicheckWords xmlns="4873beb7-5857-4685-be1f-d57550cc96cc" xsi:nil="true"/>
-    <SubmitterId xmlns="4873beb7-5857-4685-be1f-d57550cc96cc" xsi:nil="true"/>
-    <AcquiredFrom xmlns="4873beb7-5857-4685-be1f-d57550cc96cc">Internal MS</AcquiredFrom>
-    <EditorialStatus xmlns="4873beb7-5857-4685-be1f-d57550cc96cc">Complete</EditorialStatus>
-    <Markets xmlns="4873beb7-5857-4685-be1f-d57550cc96cc"/>
-    <OriginAsset xmlns="4873beb7-5857-4685-be1f-d57550cc96cc" xsi:nil="true"/>
-    <AssetStart xmlns="4873beb7-5857-4685-be1f-d57550cc96cc">2012-08-31T08:50:00+00:00</AssetStart>
-    <FriendlyTitle xmlns="4873beb7-5857-4685-be1f-d57550cc96cc" xsi:nil="true"/>
-    <MarketSpecific xmlns="4873beb7-5857-4685-be1f-d57550cc96cc">false</MarketSpecific>
-    <TPNamespace xmlns="4873beb7-5857-4685-be1f-d57550cc96cc" xsi:nil="true"/>
-    <PublishStatusLookup xmlns="4873beb7-5857-4685-be1f-d57550cc96cc">
-      <Value>1616423</Value>
-    </PublishStatusLookup>
-    <APAuthor xmlns="4873beb7-5857-4685-be1f-d57550cc96cc">
-      <UserInfo>
-        <DisplayName>REDMOND\kristaa</DisplayName>
-        <AccountId>136</AccountId>
-        <AccountType/>
-      </UserInfo>
-    </APAuthor>
-    <TPCommandLine xmlns="4873beb7-5857-4685-be1f-d57550cc96cc" xsi:nil="true"/>
-    <IntlLangReviewer xmlns="4873beb7-5857-4685-be1f-d57550cc96cc" xsi:nil="true"/>
-    <OpenTemplate xmlns="4873beb7-5857-4685-be1f-d57550cc96cc">true</OpenTemplate>
-    <CSXSubmissionDate xmlns="4873beb7-5857-4685-be1f-d57550cc96cc" xsi:nil="true"/>
-    <TaxCatchAll xmlns="4873beb7-5857-4685-be1f-d57550cc96cc"/>
-    <Manager xmlns="4873beb7-5857-4685-be1f-d57550cc96cc" xsi:nil="true"/>
-    <NumericId xmlns="4873beb7-5857-4685-be1f-d57550cc96cc" xsi:nil="true"/>
-    <ParentAssetId xmlns="4873beb7-5857-4685-be1f-d57550cc96cc" xsi:nil="true"/>
-    <OriginalSourceMarket xmlns="4873beb7-5857-4685-be1f-d57550cc96cc" xsi:nil="true"/>
-    <ApprovalStatus xmlns="4873beb7-5857-4685-be1f-d57550cc96cc">InProgress</ApprovalStatus>
-    <TPComponent xmlns="4873beb7-5857-4685-be1f-d57550cc96cc" xsi:nil="true"/>
-    <EditorialTags xmlns="4873beb7-5857-4685-be1f-d57550cc96cc" xsi:nil="true"/>
-    <TPExecutable xmlns="4873beb7-5857-4685-be1f-d57550cc96cc" xsi:nil="true"/>
-    <TPLaunchHelpLink xmlns="4873beb7-5857-4685-be1f-d57550cc96cc" xsi:nil="true"/>
-    <LocComments xmlns="4873beb7-5857-4685-be1f-d57550cc96cc" xsi:nil="true"/>
-    <LocRecommendedHandoff xmlns="4873beb7-5857-4685-be1f-d57550cc96cc" xsi:nil="true"/>
-    <SourceTitle xmlns="4873beb7-5857-4685-be1f-d57550cc96cc" xsi:nil="true"/>
-    <CSXUpdate xmlns="4873beb7-5857-4685-be1f-d57550cc96cc">false</CSXUpdate>
-    <IntlLocPriority xmlns="4873beb7-5857-4685-be1f-d57550cc96cc" xsi:nil="true"/>
-    <UAProjectedTotalWords xmlns="4873beb7-5857-4685-be1f-d57550cc96cc" xsi:nil="true"/>
-    <AssetType xmlns="4873beb7-5857-4685-be1f-d57550cc96cc">TP</AssetType>
-    <MachineTranslated xmlns="4873beb7-5857-4685-be1f-d57550cc96cc">false</MachineTranslated>
-    <OutputCachingOn xmlns="4873beb7-5857-4685-be1f-d57550cc96cc">false</OutputCachingOn>
-    <TemplateStatus xmlns="4873beb7-5857-4685-be1f-d57550cc96cc">Complete</TemplateStatus>
-    <IsSearchable xmlns="4873beb7-5857-4685-be1f-d57550cc96cc">true</IsSearchable>
-    <ContentItem xmlns="4873beb7-5857-4685-be1f-d57550cc96cc" xsi:nil="true"/>
-    <HandoffToMSDN xmlns="4873beb7-5857-4685-be1f-d57550cc96cc" xsi:nil="true"/>
-    <ShowIn xmlns="4873beb7-5857-4685-be1f-d57550cc96cc">Show everywhere</ShowIn>
-    <ThumbnailAssetId xmlns="4873beb7-5857-4685-be1f-d57550cc96cc" xsi:nil="true"/>
-    <UALocComments xmlns="4873beb7-5857-4685-be1f-d57550cc96cc" xsi:nil="true"/>
-    <UALocRecommendation xmlns="4873beb7-5857-4685-be1f-d57550cc96cc">Localize</UALocRecommendation>
-    <LastModifiedDateTime xmlns="4873beb7-5857-4685-be1f-d57550cc96cc" xsi:nil="true"/>
-    <LegacyData xmlns="4873beb7-5857-4685-be1f-d57550cc96cc" xsi:nil="true"/>
-    <LocManualTestRequired xmlns="4873beb7-5857-4685-be1f-d57550cc96cc">false</LocManualTestRequired>
-    <LocMarketGroupTiers2 xmlns="4873beb7-5857-4685-be1f-d57550cc96cc" xsi:nil="true"/>
-    <ClipArtFilename xmlns="4873beb7-5857-4685-be1f-d57550cc96cc" xsi:nil="true"/>
-    <TPApplication xmlns="4873beb7-5857-4685-be1f-d57550cc96cc" xsi:nil="true"/>
-    <CSXHash xmlns="4873beb7-5857-4685-be1f-d57550cc96cc" xsi:nil="true"/>
-    <DirectSourceMarket xmlns="4873beb7-5857-4685-be1f-d57550cc96cc" xsi:nil="true"/>
-    <PrimaryImageGen xmlns="4873beb7-5857-4685-be1f-d57550cc96cc">true</PrimaryImageGen>
-    <PlannedPubDate xmlns="4873beb7-5857-4685-be1f-d57550cc96cc" xsi:nil="true"/>
-    <CSXSubmissionMarket xmlns="4873beb7-5857-4685-be1f-d57550cc96cc" xsi:nil="true"/>
-    <Downloads xmlns="4873beb7-5857-4685-be1f-d57550cc96cc">0</Downloads>
-    <ArtSampleDocs xmlns="4873beb7-5857-4685-be1f-d57550cc96cc" xsi:nil="true"/>
-    <TrustLevel xmlns="4873beb7-5857-4685-be1f-d57550cc96cc">1 Microsoft Managed Content</TrustLevel>
-    <BlockPublish xmlns="4873beb7-5857-4685-be1f-d57550cc96cc">false</BlockPublish>
-    <TPLaunchHelpLinkType xmlns="4873beb7-5857-4685-be1f-d57550cc96cc">Template</TPLaunchHelpLinkType>
-    <LocalizationTagsTaxHTField0 xmlns="4873beb7-5857-4685-be1f-d57550cc96cc">
-      <Terms xmlns="http://schemas.microsoft.com/office/infopath/2007/PartnerControls"/>
-    </LocalizationTagsTaxHTField0>
-    <BusinessGroup xmlns="4873beb7-5857-4685-be1f-d57550cc96cc" xsi:nil="true"/>
-    <Providers xmlns="4873beb7-5857-4685-be1f-d57550cc96cc" xsi:nil="true"/>
-    <TemplateTemplateType xmlns="4873beb7-5857-4685-be1f-d57550cc96cc">PowerPoint Presentation Template</TemplateTemplateType>
-    <TimesCloned xmlns="4873beb7-5857-4685-be1f-d57550cc96cc" xsi:nil="true"/>
-    <TPAppVersion xmlns="4873beb7-5857-4685-be1f-d57550cc96cc" xsi:nil="true"/>
-    <VoteCount xmlns="4873beb7-5857-4685-be1f-d57550cc96cc" xsi:nil="true"/>
-    <AverageRating xmlns="4873beb7-5857-4685-be1f-d57550cc96cc" xsi:nil="true"/>
-    <FeatureTagsTaxHTField0 xmlns="4873beb7-5857-4685-be1f-d57550cc96cc">
-      <Terms xmlns="http://schemas.microsoft.com/office/infopath/2007/PartnerControls"/>
-    </FeatureTagsTaxHTField0>
-    <Provider xmlns="4873beb7-5857-4685-be1f-d57550cc96cc" xsi:nil="true"/>
-    <UACurrentWords xmlns="4873beb7-5857-4685-be1f-d57550cc96cc" xsi:nil="true"/>
-    <AssetId xmlns="4873beb7-5857-4685-be1f-d57550cc96cc">TP103431361</AssetId>
-    <TPClientViewer xmlns="4873beb7-5857-4685-be1f-d57550cc96cc" xsi:nil="true"/>
-    <DSATActionTaken xmlns="4873beb7-5857-4685-be1f-d57550cc96cc" xsi:nil="true"/>
-    <APEditor xmlns="4873beb7-5857-4685-be1f-d57550cc96cc">
-      <UserInfo>
-        <DisplayName/>
-        <AccountId xsi:nil="true"/>
-        <AccountType/>
-      </UserInfo>
-    </APEditor>
-    <TPInstallLocation xmlns="4873beb7-5857-4685-be1f-d57550cc96cc" xsi:nil="true"/>
-    <OOCacheId xmlns="4873beb7-5857-4685-be1f-d57550cc96cc" xsi:nil="true"/>
-    <IsDeleted xmlns="4873beb7-5857-4685-be1f-d57550cc96cc">false</IsDeleted>
-    <PublishTargets xmlns="4873beb7-5857-4685-be1f-d57550cc96cc">OfficeOnlineVNext</PublishTargets>
-    <ApprovalLog xmlns="4873beb7-5857-4685-be1f-d57550cc96cc" xsi:nil="true"/>
-    <BugNumber xmlns="4873beb7-5857-4685-be1f-d57550cc96cc" xsi:nil="true"/>
-    <CrawlForDependencies xmlns="4873beb7-5857-4685-be1f-d57550cc96cc">false</CrawlForDependencies>
-    <InternalTagsTaxHTField0 xmlns="4873beb7-5857-4685-be1f-d57550cc96cc">
-      <Terms xmlns="http://schemas.microsoft.com/office/infopath/2007/PartnerControls"/>
-    </InternalTagsTaxHTField0>
-    <LastHandOff xmlns="4873beb7-5857-4685-be1f-d57550cc96cc" xsi:nil="true"/>
-    <Milestone xmlns="4873beb7-5857-4685-be1f-d57550cc96cc" xsi:nil="true"/>
-    <OriginalRelease xmlns="4873beb7-5857-4685-be1f-d57550cc96cc">15</OriginalRelease>
-    <RecommendationsModifier xmlns="4873beb7-5857-4685-be1f-d57550cc96cc" xsi:nil="true"/>
-    <ScenarioTagsTaxHTField0 xmlns="4873beb7-5857-4685-be1f-d57550cc96cc">
-      <Terms xmlns="http://schemas.microsoft.com/office/infopath/2007/PartnerControls"/>
-    </ScenarioTagsTaxHTField0>
-    <UANotes xmlns="4873beb7-5857-4685-be1f-d57550cc96cc" xsi:nil="true"/>
-  </documentManagement>
-</p:properties>
-</file>
-
-<file path=customXml/item2.xml><?xml version="1.0" encoding="utf-8"?>
-<?mso-contentType ?>
-<FormTemplates xmlns="http://schemas.microsoft.com/sharepoint/v3/contenttype/forms">
-  <Display>DocumentLibraryForm</Display>
-  <Edit>AssetEditForm</Edit>
-  <New>DocumentLibraryForm</New>
-</FormTemplates>
-</file>
-
-<file path=customXml/item3.xml><?xml version="1.0" encoding="utf-8"?>
 <ct:contentTypeSchema xmlns:ct="http://schemas.microsoft.com/office/2006/metadata/contentType" xmlns:ma="http://schemas.microsoft.com/office/2006/metadata/properties/metaAttributes" ct:_="" ma:_="" ma:contentTypeName="TemplateFile" ma:contentTypeID="0x0101006EDDDB5EE6D98C44930B742096920B300400F5B6D36B3EF94B4E9A635CDF2A18F5B8" ma:contentTypeVersion="72" ma:contentTypeDescription="Create a new document." ma:contentTypeScope="" ma:versionID="a23e56308344d904b51738559c3d67c9">
   <xsd:schema xmlns:xsd="http://www.w3.org/2001/XMLSchema" xmlns:xs="http://www.w3.org/2001/XMLSchema" xmlns:p="http://schemas.microsoft.com/office/2006/metadata/properties" xmlns:ns2="4873beb7-5857-4685-be1f-d57550cc96cc" targetNamespace="http://schemas.microsoft.com/office/2006/metadata/properties" ma:root="true" ma:fieldsID="cd0908cc4600e77bf5da051303e00c8d" ns2:_="">
     <xsd:import namespace="4873beb7-5857-4685-be1f-d57550cc96cc"/>
@@ -31991,31 +31856,142 @@
 </ct:contentTypeSchema>
 </file>
 
-<file path=customXml/itemProps1.xml><?xml version="1.0" encoding="utf-8"?>
-<ds:datastoreItem xmlns:ds="http://schemas.openxmlformats.org/officeDocument/2006/customXml" ds:itemID="{8CDDBB83-77C1-4099-A0AA-289882E745E2}">
-  <ds:schemaRefs>
-    <ds:schemaRef ds:uri="http://purl.org/dc/elements/1.1/"/>
-    <ds:schemaRef ds:uri="http://schemas.microsoft.com/office/2006/metadata/properties"/>
-    <ds:schemaRef ds:uri="4873beb7-5857-4685-be1f-d57550cc96cc"/>
-    <ds:schemaRef ds:uri="http://schemas.openxmlformats.org/package/2006/metadata/core-properties"/>
-    <ds:schemaRef ds:uri="http://purl.org/dc/terms/"/>
-    <ds:schemaRef ds:uri="http://schemas.microsoft.com/office/2006/documentManagement/types"/>
-    <ds:schemaRef ds:uri="http://schemas.microsoft.com/office/infopath/2007/PartnerControls"/>
-    <ds:schemaRef ds:uri="http://www.w3.org/XML/1998/namespace"/>
-    <ds:schemaRef ds:uri="http://purl.org/dc/dcmitype/"/>
-  </ds:schemaRefs>
-</ds:datastoreItem>
+<file path=customXml/item2.xml><?xml version="1.0" encoding="utf-8"?>
+<?mso-contentType ?>
+<FormTemplates xmlns="http://schemas.microsoft.com/sharepoint/v3/contenttype/forms">
+  <Display>DocumentLibraryForm</Display>
+  <Edit>AssetEditForm</Edit>
+  <New>DocumentLibraryForm</New>
+</FormTemplates>
 </file>
 
-<file path=customXml/itemProps2.xml><?xml version="1.0" encoding="utf-8"?>
-<ds:datastoreItem xmlns:ds="http://schemas.openxmlformats.org/officeDocument/2006/customXml" ds:itemID="{561E720F-F05D-4536-9C34-0CFCED65D3B7}">
-  <ds:schemaRefs>
-    <ds:schemaRef ds:uri="http://schemas.microsoft.com/sharepoint/v3/contenttype/forms"/>
-  </ds:schemaRefs>
-</ds:datastoreItem>
+<file path=customXml/item3.xml><?xml version="1.0" encoding="utf-8"?>
+<p:properties xmlns:p="http://schemas.microsoft.com/office/2006/metadata/properties" xmlns:xsi="http://www.w3.org/2001/XMLSchema-instance" xmlns:pc="http://schemas.microsoft.com/office/infopath/2007/PartnerControls">
+  <documentManagement>
+    <APDescription xmlns="4873beb7-5857-4685-be1f-d57550cc96cc" xsi:nil="true"/>
+    <AssetExpire xmlns="4873beb7-5857-4685-be1f-d57550cc96cc">2029-01-01T08:00:00+00:00</AssetExpire>
+    <CampaignTagsTaxHTField0 xmlns="4873beb7-5857-4685-be1f-d57550cc96cc">
+      <Terms xmlns="http://schemas.microsoft.com/office/infopath/2007/PartnerControls"/>
+    </CampaignTagsTaxHTField0>
+    <IntlLangReviewDate xmlns="4873beb7-5857-4685-be1f-d57550cc96cc" xsi:nil="true"/>
+    <TPFriendlyName xmlns="4873beb7-5857-4685-be1f-d57550cc96cc" xsi:nil="true"/>
+    <IntlLangReview xmlns="4873beb7-5857-4685-be1f-d57550cc96cc">false</IntlLangReview>
+    <LocLastLocAttemptVersionLookup xmlns="4873beb7-5857-4685-be1f-d57550cc96cc">855024</LocLastLocAttemptVersionLookup>
+    <PolicheckWords xmlns="4873beb7-5857-4685-be1f-d57550cc96cc" xsi:nil="true"/>
+    <SubmitterId xmlns="4873beb7-5857-4685-be1f-d57550cc96cc" xsi:nil="true"/>
+    <AcquiredFrom xmlns="4873beb7-5857-4685-be1f-d57550cc96cc">Internal MS</AcquiredFrom>
+    <EditorialStatus xmlns="4873beb7-5857-4685-be1f-d57550cc96cc">Complete</EditorialStatus>
+    <Markets xmlns="4873beb7-5857-4685-be1f-d57550cc96cc"/>
+    <OriginAsset xmlns="4873beb7-5857-4685-be1f-d57550cc96cc" xsi:nil="true"/>
+    <AssetStart xmlns="4873beb7-5857-4685-be1f-d57550cc96cc">2012-08-31T08:50:00+00:00</AssetStart>
+    <FriendlyTitle xmlns="4873beb7-5857-4685-be1f-d57550cc96cc" xsi:nil="true"/>
+    <MarketSpecific xmlns="4873beb7-5857-4685-be1f-d57550cc96cc">false</MarketSpecific>
+    <TPNamespace xmlns="4873beb7-5857-4685-be1f-d57550cc96cc" xsi:nil="true"/>
+    <PublishStatusLookup xmlns="4873beb7-5857-4685-be1f-d57550cc96cc">
+      <Value>1616423</Value>
+    </PublishStatusLookup>
+    <APAuthor xmlns="4873beb7-5857-4685-be1f-d57550cc96cc">
+      <UserInfo>
+        <DisplayName>REDMOND\kristaa</DisplayName>
+        <AccountId>136</AccountId>
+        <AccountType/>
+      </UserInfo>
+    </APAuthor>
+    <TPCommandLine xmlns="4873beb7-5857-4685-be1f-d57550cc96cc" xsi:nil="true"/>
+    <IntlLangReviewer xmlns="4873beb7-5857-4685-be1f-d57550cc96cc" xsi:nil="true"/>
+    <OpenTemplate xmlns="4873beb7-5857-4685-be1f-d57550cc96cc">true</OpenTemplate>
+    <CSXSubmissionDate xmlns="4873beb7-5857-4685-be1f-d57550cc96cc" xsi:nil="true"/>
+    <TaxCatchAll xmlns="4873beb7-5857-4685-be1f-d57550cc96cc"/>
+    <Manager xmlns="4873beb7-5857-4685-be1f-d57550cc96cc" xsi:nil="true"/>
+    <NumericId xmlns="4873beb7-5857-4685-be1f-d57550cc96cc" xsi:nil="true"/>
+    <ParentAssetId xmlns="4873beb7-5857-4685-be1f-d57550cc96cc" xsi:nil="true"/>
+    <OriginalSourceMarket xmlns="4873beb7-5857-4685-be1f-d57550cc96cc" xsi:nil="true"/>
+    <ApprovalStatus xmlns="4873beb7-5857-4685-be1f-d57550cc96cc">InProgress</ApprovalStatus>
+    <TPComponent xmlns="4873beb7-5857-4685-be1f-d57550cc96cc" xsi:nil="true"/>
+    <EditorialTags xmlns="4873beb7-5857-4685-be1f-d57550cc96cc" xsi:nil="true"/>
+    <TPExecutable xmlns="4873beb7-5857-4685-be1f-d57550cc96cc" xsi:nil="true"/>
+    <TPLaunchHelpLink xmlns="4873beb7-5857-4685-be1f-d57550cc96cc" xsi:nil="true"/>
+    <LocComments xmlns="4873beb7-5857-4685-be1f-d57550cc96cc" xsi:nil="true"/>
+    <LocRecommendedHandoff xmlns="4873beb7-5857-4685-be1f-d57550cc96cc" xsi:nil="true"/>
+    <SourceTitle xmlns="4873beb7-5857-4685-be1f-d57550cc96cc" xsi:nil="true"/>
+    <CSXUpdate xmlns="4873beb7-5857-4685-be1f-d57550cc96cc">false</CSXUpdate>
+    <IntlLocPriority xmlns="4873beb7-5857-4685-be1f-d57550cc96cc" xsi:nil="true"/>
+    <UAProjectedTotalWords xmlns="4873beb7-5857-4685-be1f-d57550cc96cc" xsi:nil="true"/>
+    <AssetType xmlns="4873beb7-5857-4685-be1f-d57550cc96cc">TP</AssetType>
+    <MachineTranslated xmlns="4873beb7-5857-4685-be1f-d57550cc96cc">false</MachineTranslated>
+    <OutputCachingOn xmlns="4873beb7-5857-4685-be1f-d57550cc96cc">false</OutputCachingOn>
+    <TemplateStatus xmlns="4873beb7-5857-4685-be1f-d57550cc96cc">Complete</TemplateStatus>
+    <IsSearchable xmlns="4873beb7-5857-4685-be1f-d57550cc96cc">true</IsSearchable>
+    <ContentItem xmlns="4873beb7-5857-4685-be1f-d57550cc96cc" xsi:nil="true"/>
+    <HandoffToMSDN xmlns="4873beb7-5857-4685-be1f-d57550cc96cc" xsi:nil="true"/>
+    <ShowIn xmlns="4873beb7-5857-4685-be1f-d57550cc96cc">Show everywhere</ShowIn>
+    <ThumbnailAssetId xmlns="4873beb7-5857-4685-be1f-d57550cc96cc" xsi:nil="true"/>
+    <UALocComments xmlns="4873beb7-5857-4685-be1f-d57550cc96cc" xsi:nil="true"/>
+    <UALocRecommendation xmlns="4873beb7-5857-4685-be1f-d57550cc96cc">Localize</UALocRecommendation>
+    <LastModifiedDateTime xmlns="4873beb7-5857-4685-be1f-d57550cc96cc" xsi:nil="true"/>
+    <LegacyData xmlns="4873beb7-5857-4685-be1f-d57550cc96cc" xsi:nil="true"/>
+    <LocManualTestRequired xmlns="4873beb7-5857-4685-be1f-d57550cc96cc">false</LocManualTestRequired>
+    <LocMarketGroupTiers2 xmlns="4873beb7-5857-4685-be1f-d57550cc96cc" xsi:nil="true"/>
+    <ClipArtFilename xmlns="4873beb7-5857-4685-be1f-d57550cc96cc" xsi:nil="true"/>
+    <TPApplication xmlns="4873beb7-5857-4685-be1f-d57550cc96cc" xsi:nil="true"/>
+    <CSXHash xmlns="4873beb7-5857-4685-be1f-d57550cc96cc" xsi:nil="true"/>
+    <DirectSourceMarket xmlns="4873beb7-5857-4685-be1f-d57550cc96cc" xsi:nil="true"/>
+    <PrimaryImageGen xmlns="4873beb7-5857-4685-be1f-d57550cc96cc">true</PrimaryImageGen>
+    <PlannedPubDate xmlns="4873beb7-5857-4685-be1f-d57550cc96cc" xsi:nil="true"/>
+    <CSXSubmissionMarket xmlns="4873beb7-5857-4685-be1f-d57550cc96cc" xsi:nil="true"/>
+    <Downloads xmlns="4873beb7-5857-4685-be1f-d57550cc96cc">0</Downloads>
+    <ArtSampleDocs xmlns="4873beb7-5857-4685-be1f-d57550cc96cc" xsi:nil="true"/>
+    <TrustLevel xmlns="4873beb7-5857-4685-be1f-d57550cc96cc">1 Microsoft Managed Content</TrustLevel>
+    <BlockPublish xmlns="4873beb7-5857-4685-be1f-d57550cc96cc">false</BlockPublish>
+    <TPLaunchHelpLinkType xmlns="4873beb7-5857-4685-be1f-d57550cc96cc">Template</TPLaunchHelpLinkType>
+    <LocalizationTagsTaxHTField0 xmlns="4873beb7-5857-4685-be1f-d57550cc96cc">
+      <Terms xmlns="http://schemas.microsoft.com/office/infopath/2007/PartnerControls"/>
+    </LocalizationTagsTaxHTField0>
+    <BusinessGroup xmlns="4873beb7-5857-4685-be1f-d57550cc96cc" xsi:nil="true"/>
+    <Providers xmlns="4873beb7-5857-4685-be1f-d57550cc96cc" xsi:nil="true"/>
+    <TemplateTemplateType xmlns="4873beb7-5857-4685-be1f-d57550cc96cc">PowerPoint Presentation Template</TemplateTemplateType>
+    <TimesCloned xmlns="4873beb7-5857-4685-be1f-d57550cc96cc" xsi:nil="true"/>
+    <TPAppVersion xmlns="4873beb7-5857-4685-be1f-d57550cc96cc" xsi:nil="true"/>
+    <VoteCount xmlns="4873beb7-5857-4685-be1f-d57550cc96cc" xsi:nil="true"/>
+    <AverageRating xmlns="4873beb7-5857-4685-be1f-d57550cc96cc" xsi:nil="true"/>
+    <FeatureTagsTaxHTField0 xmlns="4873beb7-5857-4685-be1f-d57550cc96cc">
+      <Terms xmlns="http://schemas.microsoft.com/office/infopath/2007/PartnerControls"/>
+    </FeatureTagsTaxHTField0>
+    <Provider xmlns="4873beb7-5857-4685-be1f-d57550cc96cc" xsi:nil="true"/>
+    <UACurrentWords xmlns="4873beb7-5857-4685-be1f-d57550cc96cc" xsi:nil="true"/>
+    <AssetId xmlns="4873beb7-5857-4685-be1f-d57550cc96cc">TP103431361</AssetId>
+    <TPClientViewer xmlns="4873beb7-5857-4685-be1f-d57550cc96cc" xsi:nil="true"/>
+    <DSATActionTaken xmlns="4873beb7-5857-4685-be1f-d57550cc96cc" xsi:nil="true"/>
+    <APEditor xmlns="4873beb7-5857-4685-be1f-d57550cc96cc">
+      <UserInfo>
+        <DisplayName/>
+        <AccountId xsi:nil="true"/>
+        <AccountType/>
+      </UserInfo>
+    </APEditor>
+    <TPInstallLocation xmlns="4873beb7-5857-4685-be1f-d57550cc96cc" xsi:nil="true"/>
+    <OOCacheId xmlns="4873beb7-5857-4685-be1f-d57550cc96cc" xsi:nil="true"/>
+    <IsDeleted xmlns="4873beb7-5857-4685-be1f-d57550cc96cc">false</IsDeleted>
+    <PublishTargets xmlns="4873beb7-5857-4685-be1f-d57550cc96cc">OfficeOnlineVNext</PublishTargets>
+    <ApprovalLog xmlns="4873beb7-5857-4685-be1f-d57550cc96cc" xsi:nil="true"/>
+    <BugNumber xmlns="4873beb7-5857-4685-be1f-d57550cc96cc" xsi:nil="true"/>
+    <CrawlForDependencies xmlns="4873beb7-5857-4685-be1f-d57550cc96cc">false</CrawlForDependencies>
+    <InternalTagsTaxHTField0 xmlns="4873beb7-5857-4685-be1f-d57550cc96cc">
+      <Terms xmlns="http://schemas.microsoft.com/office/infopath/2007/PartnerControls"/>
+    </InternalTagsTaxHTField0>
+    <LastHandOff xmlns="4873beb7-5857-4685-be1f-d57550cc96cc" xsi:nil="true"/>
+    <Milestone xmlns="4873beb7-5857-4685-be1f-d57550cc96cc" xsi:nil="true"/>
+    <OriginalRelease xmlns="4873beb7-5857-4685-be1f-d57550cc96cc">15</OriginalRelease>
+    <RecommendationsModifier xmlns="4873beb7-5857-4685-be1f-d57550cc96cc" xsi:nil="true"/>
+    <ScenarioTagsTaxHTField0 xmlns="4873beb7-5857-4685-be1f-d57550cc96cc">
+      <Terms xmlns="http://schemas.microsoft.com/office/infopath/2007/PartnerControls"/>
+    </ScenarioTagsTaxHTField0>
+    <UANotes xmlns="4873beb7-5857-4685-be1f-d57550cc96cc" xsi:nil="true"/>
+  </documentManagement>
+</p:properties>
 </file>
 
-<file path=customXml/itemProps3.xml><?xml version="1.0" encoding="utf-8"?>
+<file path=customXml/itemProps1.xml><?xml version="1.0" encoding="utf-8"?>
 <ds:datastoreItem xmlns:ds="http://schemas.openxmlformats.org/officeDocument/2006/customXml" ds:itemID="{28C8B9CA-0273-4370-889A-FC05DA5C2FA5}">
   <ds:schemaRefs>
     <ds:schemaRef ds:uri="http://schemas.microsoft.com/office/2006/metadata/contentType"/>
@@ -32031,4 +32007,28 @@
     <ds:schemaRef ds:uri="http://schemas.microsoft.com/internal/obd"/>
   </ds:schemaRefs>
 </ds:datastoreItem>
+</file>
+
+<file path=customXml/itemProps2.xml><?xml version="1.0" encoding="utf-8"?>
+<ds:datastoreItem xmlns:ds="http://schemas.openxmlformats.org/officeDocument/2006/customXml" ds:itemID="{561E720F-F05D-4536-9C34-0CFCED65D3B7}">
+  <ds:schemaRefs>
+    <ds:schemaRef ds:uri="http://schemas.microsoft.com/sharepoint/v3/contenttype/forms"/>
+  </ds:schemaRefs>
+</ds:datastoreItem>
+</file>
+
+<file path=customXml/itemProps3.xml><?xml version="1.0" encoding="utf-8"?>
+<ds:datastoreItem xmlns:ds="http://schemas.openxmlformats.org/officeDocument/2006/customXml" ds:itemID="{8CDDBB83-77C1-4099-A0AA-289882E745E2}">
+  <ds:schemaRefs>
+    <ds:schemaRef ds:uri="http://purl.org/dc/elements/1.1/"/>
+    <ds:schemaRef ds:uri="http://schemas.microsoft.com/office/2006/metadata/properties"/>
+    <ds:schemaRef ds:uri="4873beb7-5857-4685-be1f-d57550cc96cc"/>
+    <ds:schemaRef ds:uri="http://schemas.openxmlformats.org/package/2006/metadata/core-properties"/>
+    <ds:schemaRef ds:uri="http://purl.org/dc/terms/"/>
+    <ds:schemaRef ds:uri="http://schemas.microsoft.com/office/2006/documentManagement/types"/>
+    <ds:schemaRef ds:uri="http://schemas.microsoft.com/office/infopath/2007/PartnerControls"/>
+    <ds:schemaRef ds:uri="http://www.w3.org/XML/1998/namespace"/>
+    <ds:schemaRef ds:uri="http://purl.org/dc/dcmitype/"/>
+  </ds:schemaRefs>
+</ds:datastoreItem>
 </file>